--- a/Licenta-Ramon Gabor.pptx
+++ b/Licenta-Ramon Gabor.pptx
@@ -6,6 +6,18 @@
   </p:sldMasterIdLst>
   <p:sldIdLst>
     <p:sldId id="256" r:id="rId2"/>
+    <p:sldId id="257" r:id="rId3"/>
+    <p:sldId id="258" r:id="rId4"/>
+    <p:sldId id="259" r:id="rId5"/>
+    <p:sldId id="260" r:id="rId6"/>
+    <p:sldId id="262" r:id="rId7"/>
+    <p:sldId id="270" r:id="rId8"/>
+    <p:sldId id="263" r:id="rId9"/>
+    <p:sldId id="264" r:id="rId10"/>
+    <p:sldId id="265" r:id="rId11"/>
+    <p:sldId id="266" r:id="rId12"/>
+    <p:sldId id="267" r:id="rId13"/>
+    <p:sldId id="269" r:id="rId14"/>
   </p:sldIdLst>
   <p:sldSz cx="12192000" cy="6858000"/>
   <p:notesSz cx="6858000" cy="9144000"/>
@@ -104,6 +116,11 @@
       </a:defRPr>
     </a:lvl9pPr>
   </p:defaultTextStyle>
+  <p:extLst>
+    <p:ext uri="{EFAFB233-063F-42B5-8137-9DF3F51BA10A}">
+      <p15:sldGuideLst xmlns:p15="http://schemas.microsoft.com/office/powerpoint/2012/main"/>
+    </p:ext>
+  </p:extLst>
 </p:presentation>
 </file>
 
@@ -129,7 +146,7 @@
           <p:cNvPr id="2" name="Titlu 1">
             <a:extLst>
               <a:ext uri="{FF2B5EF4-FFF2-40B4-BE49-F238E27FC236}">
-                <a16:creationId xmlns:a16="http://schemas.microsoft.com/office/drawing/2014/main" id="{E31B0FAA-04FB-4EA8-9EE2-E133D2679450}"/>
+                <a16:creationId xmlns:a16="http://schemas.microsoft.com/office/drawing/2014/main" id="{EFAC6E19-144F-4579-BCBB-85CCB81D4680}"/>
               </a:ext>
             </a:extLst>
           </p:cNvPr>
@@ -167,7 +184,7 @@
           <p:cNvPr id="3" name="Subtitlu 2">
             <a:extLst>
               <a:ext uri="{FF2B5EF4-FFF2-40B4-BE49-F238E27FC236}">
-                <a16:creationId xmlns:a16="http://schemas.microsoft.com/office/drawing/2014/main" id="{03CE9D5E-8A20-44FA-BCB0-B93495B42F54}"/>
+                <a16:creationId xmlns:a16="http://schemas.microsoft.com/office/drawing/2014/main" id="{C0C676F2-AF78-4068-9D31-FDD6FD48693D}"/>
               </a:ext>
             </a:extLst>
           </p:cNvPr>
@@ -238,7 +255,7 @@
           <p:cNvPr id="4" name="Substituent dată 3">
             <a:extLst>
               <a:ext uri="{FF2B5EF4-FFF2-40B4-BE49-F238E27FC236}">
-                <a16:creationId xmlns:a16="http://schemas.microsoft.com/office/drawing/2014/main" id="{6C0D36E1-7921-4549-AD62-B508460F323E}"/>
+                <a16:creationId xmlns:a16="http://schemas.microsoft.com/office/drawing/2014/main" id="{4908BA42-482E-43CA-BCA1-72AB804C3E10}"/>
               </a:ext>
             </a:extLst>
           </p:cNvPr>
@@ -254,9 +271,9 @@
           <a:bodyPr/>
           <a:lstStyle/>
           <a:p>
-            <a:fld id="{F17B64D7-7808-4C1B-BE3D-0F464CBAEF23}" type="datetimeFigureOut">
+            <a:fld id="{4F698076-8502-4384-AB9E-CDB4361F1330}" type="datetimeFigureOut">
               <a:rPr lang="en-US" smtClean="0"/>
-              <a:t>25-Jun-18</a:t>
+              <a:t>03-Jul-18</a:t>
             </a:fld>
             <a:endParaRPr lang="en-US"/>
           </a:p>
@@ -267,7 +284,7 @@
           <p:cNvPr id="5" name="Substituent subsol 4">
             <a:extLst>
               <a:ext uri="{FF2B5EF4-FFF2-40B4-BE49-F238E27FC236}">
-                <a16:creationId xmlns:a16="http://schemas.microsoft.com/office/drawing/2014/main" id="{8FE64EB7-A1F1-40E5-BBC8-9323AD566A7A}"/>
+                <a16:creationId xmlns:a16="http://schemas.microsoft.com/office/drawing/2014/main" id="{13E1A075-9B84-4558-8171-A093E9217FA1}"/>
               </a:ext>
             </a:extLst>
           </p:cNvPr>
@@ -292,7 +309,7 @@
           <p:cNvPr id="6" name="Substituent număr diapozitiv 5">
             <a:extLst>
               <a:ext uri="{FF2B5EF4-FFF2-40B4-BE49-F238E27FC236}">
-                <a16:creationId xmlns:a16="http://schemas.microsoft.com/office/drawing/2014/main" id="{5765A008-4CB1-4437-BAE6-234330B3F8E5}"/>
+                <a16:creationId xmlns:a16="http://schemas.microsoft.com/office/drawing/2014/main" id="{A453DE61-C498-4E9B-99E3-6C048C9C309B}"/>
               </a:ext>
             </a:extLst>
           </p:cNvPr>
@@ -308,7 +325,7 @@
           <a:bodyPr/>
           <a:lstStyle/>
           <a:p>
-            <a:fld id="{3802FEBB-663E-42C9-A76E-9D090FF5F0E3}" type="slidenum">
+            <a:fld id="{4140DFDF-0283-469B-8830-B337B2BADA52}" type="slidenum">
               <a:rPr lang="en-US" smtClean="0"/>
               <a:t>‹#›</a:t>
             </a:fld>
@@ -319,7 +336,7 @@
     </p:spTree>
     <p:extLst>
       <p:ext uri="{BB962C8B-B14F-4D97-AF65-F5344CB8AC3E}">
-        <p14:creationId xmlns:p14="http://schemas.microsoft.com/office/powerpoint/2010/main" val="2427305332"/>
+        <p14:creationId xmlns:p14="http://schemas.microsoft.com/office/powerpoint/2010/main" val="1350423213"/>
       </p:ext>
     </p:extLst>
   </p:cSld>
@@ -351,7 +368,7 @@
           <p:cNvPr id="2" name="Titlu 1">
             <a:extLst>
               <a:ext uri="{FF2B5EF4-FFF2-40B4-BE49-F238E27FC236}">
-                <a16:creationId xmlns:a16="http://schemas.microsoft.com/office/drawing/2014/main" id="{D7C2F853-37DB-479A-B234-C2FFB7FF3A4E}"/>
+                <a16:creationId xmlns:a16="http://schemas.microsoft.com/office/drawing/2014/main" id="{3FDDC257-6F84-49FF-B9FD-C43205A098C8}"/>
               </a:ext>
             </a:extLst>
           </p:cNvPr>
@@ -380,7 +397,7 @@
           <p:cNvPr id="3" name="Substituent text vertical 2">
             <a:extLst>
               <a:ext uri="{FF2B5EF4-FFF2-40B4-BE49-F238E27FC236}">
-                <a16:creationId xmlns:a16="http://schemas.microsoft.com/office/drawing/2014/main" id="{DE1EA675-56D0-4BB4-9524-602011C9A081}"/>
+                <a16:creationId xmlns:a16="http://schemas.microsoft.com/office/drawing/2014/main" id="{A88C2531-BCC3-4E0E-B635-17D5A99BAE06}"/>
               </a:ext>
             </a:extLst>
           </p:cNvPr>
@@ -438,7 +455,7 @@
           <p:cNvPr id="4" name="Substituent dată 3">
             <a:extLst>
               <a:ext uri="{FF2B5EF4-FFF2-40B4-BE49-F238E27FC236}">
-                <a16:creationId xmlns:a16="http://schemas.microsoft.com/office/drawing/2014/main" id="{1A69B8A2-8471-4E61-9FAD-3512FD6BB8DF}"/>
+                <a16:creationId xmlns:a16="http://schemas.microsoft.com/office/drawing/2014/main" id="{D221C884-0D57-4407-A2B8-1F31BB67B765}"/>
               </a:ext>
             </a:extLst>
           </p:cNvPr>
@@ -454,9 +471,9 @@
           <a:bodyPr/>
           <a:lstStyle/>
           <a:p>
-            <a:fld id="{F17B64D7-7808-4C1B-BE3D-0F464CBAEF23}" type="datetimeFigureOut">
+            <a:fld id="{4F698076-8502-4384-AB9E-CDB4361F1330}" type="datetimeFigureOut">
               <a:rPr lang="en-US" smtClean="0"/>
-              <a:t>25-Jun-18</a:t>
+              <a:t>03-Jul-18</a:t>
             </a:fld>
             <a:endParaRPr lang="en-US"/>
           </a:p>
@@ -467,7 +484,7 @@
           <p:cNvPr id="5" name="Substituent subsol 4">
             <a:extLst>
               <a:ext uri="{FF2B5EF4-FFF2-40B4-BE49-F238E27FC236}">
-                <a16:creationId xmlns:a16="http://schemas.microsoft.com/office/drawing/2014/main" id="{6C7B574C-ED2A-4CE6-B7EE-6605B614E14B}"/>
+                <a16:creationId xmlns:a16="http://schemas.microsoft.com/office/drawing/2014/main" id="{08D190DF-9459-401C-9354-AA98DE61D844}"/>
               </a:ext>
             </a:extLst>
           </p:cNvPr>
@@ -492,7 +509,7 @@
           <p:cNvPr id="6" name="Substituent număr diapozitiv 5">
             <a:extLst>
               <a:ext uri="{FF2B5EF4-FFF2-40B4-BE49-F238E27FC236}">
-                <a16:creationId xmlns:a16="http://schemas.microsoft.com/office/drawing/2014/main" id="{D06CFB9F-909C-42F5-B415-E7AC31E4D3E7}"/>
+                <a16:creationId xmlns:a16="http://schemas.microsoft.com/office/drawing/2014/main" id="{11AABADE-955F-4181-98AA-388F30B40476}"/>
               </a:ext>
             </a:extLst>
           </p:cNvPr>
@@ -508,7 +525,7 @@
           <a:bodyPr/>
           <a:lstStyle/>
           <a:p>
-            <a:fld id="{3802FEBB-663E-42C9-A76E-9D090FF5F0E3}" type="slidenum">
+            <a:fld id="{4140DFDF-0283-469B-8830-B337B2BADA52}" type="slidenum">
               <a:rPr lang="en-US" smtClean="0"/>
               <a:t>‹#›</a:t>
             </a:fld>
@@ -519,7 +536,7 @@
     </p:spTree>
     <p:extLst>
       <p:ext uri="{BB962C8B-B14F-4D97-AF65-F5344CB8AC3E}">
-        <p14:creationId xmlns:p14="http://schemas.microsoft.com/office/powerpoint/2010/main" val="4036286765"/>
+        <p14:creationId xmlns:p14="http://schemas.microsoft.com/office/powerpoint/2010/main" val="1985467660"/>
       </p:ext>
     </p:extLst>
   </p:cSld>
@@ -551,7 +568,7 @@
           <p:cNvPr id="2" name="Titlu vertical 1">
             <a:extLst>
               <a:ext uri="{FF2B5EF4-FFF2-40B4-BE49-F238E27FC236}">
-                <a16:creationId xmlns:a16="http://schemas.microsoft.com/office/drawing/2014/main" id="{FA51E742-32C7-411A-A20F-C0DC1783426F}"/>
+                <a16:creationId xmlns:a16="http://schemas.microsoft.com/office/drawing/2014/main" id="{DCE8F1DE-9EE9-443C-BE10-16F4819B8901}"/>
               </a:ext>
             </a:extLst>
           </p:cNvPr>
@@ -585,7 +602,7 @@
           <p:cNvPr id="3" name="Substituent text vertical 2">
             <a:extLst>
               <a:ext uri="{FF2B5EF4-FFF2-40B4-BE49-F238E27FC236}">
-                <a16:creationId xmlns:a16="http://schemas.microsoft.com/office/drawing/2014/main" id="{C766C960-9F45-4FCE-8B9C-CED700244DFF}"/>
+                <a16:creationId xmlns:a16="http://schemas.microsoft.com/office/drawing/2014/main" id="{73754E28-6F45-41CF-BA4E-4CD5BB1DFF4A}"/>
               </a:ext>
             </a:extLst>
           </p:cNvPr>
@@ -648,7 +665,7 @@
           <p:cNvPr id="4" name="Substituent dată 3">
             <a:extLst>
               <a:ext uri="{FF2B5EF4-FFF2-40B4-BE49-F238E27FC236}">
-                <a16:creationId xmlns:a16="http://schemas.microsoft.com/office/drawing/2014/main" id="{45F1F23C-1AB5-4785-9051-B19A374C7251}"/>
+                <a16:creationId xmlns:a16="http://schemas.microsoft.com/office/drawing/2014/main" id="{F615346F-A3E4-43CE-9399-B2BC8D87FDA1}"/>
               </a:ext>
             </a:extLst>
           </p:cNvPr>
@@ -664,9 +681,9 @@
           <a:bodyPr/>
           <a:lstStyle/>
           <a:p>
-            <a:fld id="{F17B64D7-7808-4C1B-BE3D-0F464CBAEF23}" type="datetimeFigureOut">
+            <a:fld id="{4F698076-8502-4384-AB9E-CDB4361F1330}" type="datetimeFigureOut">
               <a:rPr lang="en-US" smtClean="0"/>
-              <a:t>25-Jun-18</a:t>
+              <a:t>03-Jul-18</a:t>
             </a:fld>
             <a:endParaRPr lang="en-US"/>
           </a:p>
@@ -677,7 +694,7 @@
           <p:cNvPr id="5" name="Substituent subsol 4">
             <a:extLst>
               <a:ext uri="{FF2B5EF4-FFF2-40B4-BE49-F238E27FC236}">
-                <a16:creationId xmlns:a16="http://schemas.microsoft.com/office/drawing/2014/main" id="{1DA43F57-AD87-4294-B0BA-5BC00A047561}"/>
+                <a16:creationId xmlns:a16="http://schemas.microsoft.com/office/drawing/2014/main" id="{22900D38-B9E0-41D8-92AE-4405CB7CC4FA}"/>
               </a:ext>
             </a:extLst>
           </p:cNvPr>
@@ -702,7 +719,7 @@
           <p:cNvPr id="6" name="Substituent număr diapozitiv 5">
             <a:extLst>
               <a:ext uri="{FF2B5EF4-FFF2-40B4-BE49-F238E27FC236}">
-                <a16:creationId xmlns:a16="http://schemas.microsoft.com/office/drawing/2014/main" id="{F8CDE3BD-9256-4E49-A9DE-09530D4BD953}"/>
+                <a16:creationId xmlns:a16="http://schemas.microsoft.com/office/drawing/2014/main" id="{C4813699-D56D-4DB7-AB72-23D95724499A}"/>
               </a:ext>
             </a:extLst>
           </p:cNvPr>
@@ -718,7 +735,7 @@
           <a:bodyPr/>
           <a:lstStyle/>
           <a:p>
-            <a:fld id="{3802FEBB-663E-42C9-A76E-9D090FF5F0E3}" type="slidenum">
+            <a:fld id="{4140DFDF-0283-469B-8830-B337B2BADA52}" type="slidenum">
               <a:rPr lang="en-US" smtClean="0"/>
               <a:t>‹#›</a:t>
             </a:fld>
@@ -729,7 +746,7 @@
     </p:spTree>
     <p:extLst>
       <p:ext uri="{BB962C8B-B14F-4D97-AF65-F5344CB8AC3E}">
-        <p14:creationId xmlns:p14="http://schemas.microsoft.com/office/powerpoint/2010/main" val="2568298497"/>
+        <p14:creationId xmlns:p14="http://schemas.microsoft.com/office/powerpoint/2010/main" val="3294752115"/>
       </p:ext>
     </p:extLst>
   </p:cSld>
@@ -761,7 +778,7 @@
           <p:cNvPr id="2" name="Titlu 1">
             <a:extLst>
               <a:ext uri="{FF2B5EF4-FFF2-40B4-BE49-F238E27FC236}">
-                <a16:creationId xmlns:a16="http://schemas.microsoft.com/office/drawing/2014/main" id="{E4FF0446-2BC4-4F83-86C6-1E93C6336DEF}"/>
+                <a16:creationId xmlns:a16="http://schemas.microsoft.com/office/drawing/2014/main" id="{1A236B4E-5BC0-4C10-87F9-F26A423F2A8D}"/>
               </a:ext>
             </a:extLst>
           </p:cNvPr>
@@ -790,7 +807,7 @@
           <p:cNvPr id="3" name="Substituent conținut 2">
             <a:extLst>
               <a:ext uri="{FF2B5EF4-FFF2-40B4-BE49-F238E27FC236}">
-                <a16:creationId xmlns:a16="http://schemas.microsoft.com/office/drawing/2014/main" id="{A992BD1D-3E85-4901-9F70-71229BE631BC}"/>
+                <a16:creationId xmlns:a16="http://schemas.microsoft.com/office/drawing/2014/main" id="{C6FE90CA-A1DD-4CC5-98A2-617347B427B3}"/>
               </a:ext>
             </a:extLst>
           </p:cNvPr>
@@ -848,7 +865,7 @@
           <p:cNvPr id="4" name="Substituent dată 3">
             <a:extLst>
               <a:ext uri="{FF2B5EF4-FFF2-40B4-BE49-F238E27FC236}">
-                <a16:creationId xmlns:a16="http://schemas.microsoft.com/office/drawing/2014/main" id="{59538EFA-561C-4210-9D38-512E485AFB76}"/>
+                <a16:creationId xmlns:a16="http://schemas.microsoft.com/office/drawing/2014/main" id="{F7D912ED-9F37-4303-A192-95800FE2E427}"/>
               </a:ext>
             </a:extLst>
           </p:cNvPr>
@@ -864,9 +881,9 @@
           <a:bodyPr/>
           <a:lstStyle/>
           <a:p>
-            <a:fld id="{F17B64D7-7808-4C1B-BE3D-0F464CBAEF23}" type="datetimeFigureOut">
+            <a:fld id="{4F698076-8502-4384-AB9E-CDB4361F1330}" type="datetimeFigureOut">
               <a:rPr lang="en-US" smtClean="0"/>
-              <a:t>25-Jun-18</a:t>
+              <a:t>03-Jul-18</a:t>
             </a:fld>
             <a:endParaRPr lang="en-US"/>
           </a:p>
@@ -877,7 +894,7 @@
           <p:cNvPr id="5" name="Substituent subsol 4">
             <a:extLst>
               <a:ext uri="{FF2B5EF4-FFF2-40B4-BE49-F238E27FC236}">
-                <a16:creationId xmlns:a16="http://schemas.microsoft.com/office/drawing/2014/main" id="{95028D26-65FB-485A-8BB7-FC77055CB1A9}"/>
+                <a16:creationId xmlns:a16="http://schemas.microsoft.com/office/drawing/2014/main" id="{B4524D48-94BA-441E-BC23-F67F8584CECF}"/>
               </a:ext>
             </a:extLst>
           </p:cNvPr>
@@ -902,7 +919,7 @@
           <p:cNvPr id="6" name="Substituent număr diapozitiv 5">
             <a:extLst>
               <a:ext uri="{FF2B5EF4-FFF2-40B4-BE49-F238E27FC236}">
-                <a16:creationId xmlns:a16="http://schemas.microsoft.com/office/drawing/2014/main" id="{7827A1D9-4857-46D4-9070-4B59CFB65BCD}"/>
+                <a16:creationId xmlns:a16="http://schemas.microsoft.com/office/drawing/2014/main" id="{EE87F534-591D-4C8E-B040-09F13EC92992}"/>
               </a:ext>
             </a:extLst>
           </p:cNvPr>
@@ -918,7 +935,7 @@
           <a:bodyPr/>
           <a:lstStyle/>
           <a:p>
-            <a:fld id="{3802FEBB-663E-42C9-A76E-9D090FF5F0E3}" type="slidenum">
+            <a:fld id="{4140DFDF-0283-469B-8830-B337B2BADA52}" type="slidenum">
               <a:rPr lang="en-US" smtClean="0"/>
               <a:t>‹#›</a:t>
             </a:fld>
@@ -929,7 +946,7 @@
     </p:spTree>
     <p:extLst>
       <p:ext uri="{BB962C8B-B14F-4D97-AF65-F5344CB8AC3E}">
-        <p14:creationId xmlns:p14="http://schemas.microsoft.com/office/powerpoint/2010/main" val="3782396892"/>
+        <p14:creationId xmlns:p14="http://schemas.microsoft.com/office/powerpoint/2010/main" val="3123787156"/>
       </p:ext>
     </p:extLst>
   </p:cSld>
@@ -961,7 +978,7 @@
           <p:cNvPr id="2" name="Titlu 1">
             <a:extLst>
               <a:ext uri="{FF2B5EF4-FFF2-40B4-BE49-F238E27FC236}">
-                <a16:creationId xmlns:a16="http://schemas.microsoft.com/office/drawing/2014/main" id="{2CA9B7C6-CD9F-452C-BD30-4DD6BAF55B06}"/>
+                <a16:creationId xmlns:a16="http://schemas.microsoft.com/office/drawing/2014/main" id="{C6B92CDF-84C8-47B1-BD3F-B576DD32F8EC}"/>
               </a:ext>
             </a:extLst>
           </p:cNvPr>
@@ -999,7 +1016,7 @@
           <p:cNvPr id="3" name="Substituent text 2">
             <a:extLst>
               <a:ext uri="{FF2B5EF4-FFF2-40B4-BE49-F238E27FC236}">
-                <a16:creationId xmlns:a16="http://schemas.microsoft.com/office/drawing/2014/main" id="{BD0EC6FE-7696-4B0B-8931-EC0E443A617A}"/>
+                <a16:creationId xmlns:a16="http://schemas.microsoft.com/office/drawing/2014/main" id="{3CF0E2D8-8C32-4923-96AC-989EC03E4BAF}"/>
               </a:ext>
             </a:extLst>
           </p:cNvPr>
@@ -1124,7 +1141,7 @@
           <p:cNvPr id="4" name="Substituent dată 3">
             <a:extLst>
               <a:ext uri="{FF2B5EF4-FFF2-40B4-BE49-F238E27FC236}">
-                <a16:creationId xmlns:a16="http://schemas.microsoft.com/office/drawing/2014/main" id="{BB2D9298-CC6B-4BB8-B453-A9A3E0A88DC3}"/>
+                <a16:creationId xmlns:a16="http://schemas.microsoft.com/office/drawing/2014/main" id="{BB9523A4-4EB1-4E81-A88A-4C1118FBE876}"/>
               </a:ext>
             </a:extLst>
           </p:cNvPr>
@@ -1140,9 +1157,9 @@
           <a:bodyPr/>
           <a:lstStyle/>
           <a:p>
-            <a:fld id="{F17B64D7-7808-4C1B-BE3D-0F464CBAEF23}" type="datetimeFigureOut">
+            <a:fld id="{4F698076-8502-4384-AB9E-CDB4361F1330}" type="datetimeFigureOut">
               <a:rPr lang="en-US" smtClean="0"/>
-              <a:t>25-Jun-18</a:t>
+              <a:t>03-Jul-18</a:t>
             </a:fld>
             <a:endParaRPr lang="en-US"/>
           </a:p>
@@ -1153,7 +1170,7 @@
           <p:cNvPr id="5" name="Substituent subsol 4">
             <a:extLst>
               <a:ext uri="{FF2B5EF4-FFF2-40B4-BE49-F238E27FC236}">
-                <a16:creationId xmlns:a16="http://schemas.microsoft.com/office/drawing/2014/main" id="{8554E36D-7222-4A3D-97D7-CA56C78FB5FB}"/>
+                <a16:creationId xmlns:a16="http://schemas.microsoft.com/office/drawing/2014/main" id="{B1D8BBC6-B361-406A-99C6-9E3AF37A3010}"/>
               </a:ext>
             </a:extLst>
           </p:cNvPr>
@@ -1178,7 +1195,7 @@
           <p:cNvPr id="6" name="Substituent număr diapozitiv 5">
             <a:extLst>
               <a:ext uri="{FF2B5EF4-FFF2-40B4-BE49-F238E27FC236}">
-                <a16:creationId xmlns:a16="http://schemas.microsoft.com/office/drawing/2014/main" id="{658151CF-AAF8-4994-AD2F-BC783A9BD3EC}"/>
+                <a16:creationId xmlns:a16="http://schemas.microsoft.com/office/drawing/2014/main" id="{A5222182-E9D1-4E5C-8C9F-E0B815CB6DC5}"/>
               </a:ext>
             </a:extLst>
           </p:cNvPr>
@@ -1194,7 +1211,7 @@
           <a:bodyPr/>
           <a:lstStyle/>
           <a:p>
-            <a:fld id="{3802FEBB-663E-42C9-A76E-9D090FF5F0E3}" type="slidenum">
+            <a:fld id="{4140DFDF-0283-469B-8830-B337B2BADA52}" type="slidenum">
               <a:rPr lang="en-US" smtClean="0"/>
               <a:t>‹#›</a:t>
             </a:fld>
@@ -1205,7 +1222,7 @@
     </p:spTree>
     <p:extLst>
       <p:ext uri="{BB962C8B-B14F-4D97-AF65-F5344CB8AC3E}">
-        <p14:creationId xmlns:p14="http://schemas.microsoft.com/office/powerpoint/2010/main" val="579566266"/>
+        <p14:creationId xmlns:p14="http://schemas.microsoft.com/office/powerpoint/2010/main" val="34793915"/>
       </p:ext>
     </p:extLst>
   </p:cSld>
@@ -1237,7 +1254,7 @@
           <p:cNvPr id="2" name="Titlu 1">
             <a:extLst>
               <a:ext uri="{FF2B5EF4-FFF2-40B4-BE49-F238E27FC236}">
-                <a16:creationId xmlns:a16="http://schemas.microsoft.com/office/drawing/2014/main" id="{0F5800A0-ECB6-4C47-9AFD-F5CF9448CE6A}"/>
+                <a16:creationId xmlns:a16="http://schemas.microsoft.com/office/drawing/2014/main" id="{155221DF-4D74-4735-B6C1-20D995A86ED4}"/>
               </a:ext>
             </a:extLst>
           </p:cNvPr>
@@ -1266,7 +1283,7 @@
           <p:cNvPr id="3" name="Substituent conținut 2">
             <a:extLst>
               <a:ext uri="{FF2B5EF4-FFF2-40B4-BE49-F238E27FC236}">
-                <a16:creationId xmlns:a16="http://schemas.microsoft.com/office/drawing/2014/main" id="{AF086584-F39E-49D7-8611-3A7CFA658295}"/>
+                <a16:creationId xmlns:a16="http://schemas.microsoft.com/office/drawing/2014/main" id="{6263B4D9-81F2-405C-A9DA-64EE1F927FEB}"/>
               </a:ext>
             </a:extLst>
           </p:cNvPr>
@@ -1329,7 +1346,7 @@
           <p:cNvPr id="4" name="Substituent conținut 3">
             <a:extLst>
               <a:ext uri="{FF2B5EF4-FFF2-40B4-BE49-F238E27FC236}">
-                <a16:creationId xmlns:a16="http://schemas.microsoft.com/office/drawing/2014/main" id="{9190A2D6-E689-42DE-BAA8-2EE02D606F50}"/>
+                <a16:creationId xmlns:a16="http://schemas.microsoft.com/office/drawing/2014/main" id="{998F69AA-D8A5-4613-B679-693E0E07E056}"/>
               </a:ext>
             </a:extLst>
           </p:cNvPr>
@@ -1392,7 +1409,7 @@
           <p:cNvPr id="5" name="Substituent dată 4">
             <a:extLst>
               <a:ext uri="{FF2B5EF4-FFF2-40B4-BE49-F238E27FC236}">
-                <a16:creationId xmlns:a16="http://schemas.microsoft.com/office/drawing/2014/main" id="{14DB7490-41C3-4ACC-858A-B15E6CD23895}"/>
+                <a16:creationId xmlns:a16="http://schemas.microsoft.com/office/drawing/2014/main" id="{2325CA22-BD6C-4185-824C-BA917DE193AD}"/>
               </a:ext>
             </a:extLst>
           </p:cNvPr>
@@ -1408,9 +1425,9 @@
           <a:bodyPr/>
           <a:lstStyle/>
           <a:p>
-            <a:fld id="{F17B64D7-7808-4C1B-BE3D-0F464CBAEF23}" type="datetimeFigureOut">
+            <a:fld id="{4F698076-8502-4384-AB9E-CDB4361F1330}" type="datetimeFigureOut">
               <a:rPr lang="en-US" smtClean="0"/>
-              <a:t>25-Jun-18</a:t>
+              <a:t>03-Jul-18</a:t>
             </a:fld>
             <a:endParaRPr lang="en-US"/>
           </a:p>
@@ -1421,7 +1438,7 @@
           <p:cNvPr id="6" name="Substituent subsol 5">
             <a:extLst>
               <a:ext uri="{FF2B5EF4-FFF2-40B4-BE49-F238E27FC236}">
-                <a16:creationId xmlns:a16="http://schemas.microsoft.com/office/drawing/2014/main" id="{9E4F630E-887B-41A2-8361-4B6A8404F1A7}"/>
+                <a16:creationId xmlns:a16="http://schemas.microsoft.com/office/drawing/2014/main" id="{F6BE968A-2BAF-4CA2-8C7C-F651FD9E3EA0}"/>
               </a:ext>
             </a:extLst>
           </p:cNvPr>
@@ -1446,7 +1463,7 @@
           <p:cNvPr id="7" name="Substituent număr diapozitiv 6">
             <a:extLst>
               <a:ext uri="{FF2B5EF4-FFF2-40B4-BE49-F238E27FC236}">
-                <a16:creationId xmlns:a16="http://schemas.microsoft.com/office/drawing/2014/main" id="{464A0BAB-FE47-4208-BC6A-9C752FE82090}"/>
+                <a16:creationId xmlns:a16="http://schemas.microsoft.com/office/drawing/2014/main" id="{01C90E4D-BA17-4259-BF70-6D36208B8C1C}"/>
               </a:ext>
             </a:extLst>
           </p:cNvPr>
@@ -1462,7 +1479,7 @@
           <a:bodyPr/>
           <a:lstStyle/>
           <a:p>
-            <a:fld id="{3802FEBB-663E-42C9-A76E-9D090FF5F0E3}" type="slidenum">
+            <a:fld id="{4140DFDF-0283-469B-8830-B337B2BADA52}" type="slidenum">
               <a:rPr lang="en-US" smtClean="0"/>
               <a:t>‹#›</a:t>
             </a:fld>
@@ -1473,7 +1490,7 @@
     </p:spTree>
     <p:extLst>
       <p:ext uri="{BB962C8B-B14F-4D97-AF65-F5344CB8AC3E}">
-        <p14:creationId xmlns:p14="http://schemas.microsoft.com/office/powerpoint/2010/main" val="2434453054"/>
+        <p14:creationId xmlns:p14="http://schemas.microsoft.com/office/powerpoint/2010/main" val="3128894234"/>
       </p:ext>
     </p:extLst>
   </p:cSld>
@@ -1505,7 +1522,7 @@
           <p:cNvPr id="2" name="Titlu 1">
             <a:extLst>
               <a:ext uri="{FF2B5EF4-FFF2-40B4-BE49-F238E27FC236}">
-                <a16:creationId xmlns:a16="http://schemas.microsoft.com/office/drawing/2014/main" id="{0AC0EA02-9D65-4CF3-A136-DFF9BEE2D51F}"/>
+                <a16:creationId xmlns:a16="http://schemas.microsoft.com/office/drawing/2014/main" id="{C3CE1168-36B7-45AA-B969-EA9C3037EA91}"/>
               </a:ext>
             </a:extLst>
           </p:cNvPr>
@@ -1539,7 +1556,7 @@
           <p:cNvPr id="3" name="Substituent text 2">
             <a:extLst>
               <a:ext uri="{FF2B5EF4-FFF2-40B4-BE49-F238E27FC236}">
-                <a16:creationId xmlns:a16="http://schemas.microsoft.com/office/drawing/2014/main" id="{956EBD80-6D3F-40DD-BAFE-77A9D1C23D70}"/>
+                <a16:creationId xmlns:a16="http://schemas.microsoft.com/office/drawing/2014/main" id="{FA1F2578-2108-4AF1-9D08-14CEB365FB00}"/>
               </a:ext>
             </a:extLst>
           </p:cNvPr>
@@ -1610,7 +1627,7 @@
           <p:cNvPr id="4" name="Substituent conținut 3">
             <a:extLst>
               <a:ext uri="{FF2B5EF4-FFF2-40B4-BE49-F238E27FC236}">
-                <a16:creationId xmlns:a16="http://schemas.microsoft.com/office/drawing/2014/main" id="{5B960CF5-3E17-4622-A83C-11EA31951414}"/>
+                <a16:creationId xmlns:a16="http://schemas.microsoft.com/office/drawing/2014/main" id="{FECBCE1E-2F4D-4E6E-8F7B-854974D195D3}"/>
               </a:ext>
             </a:extLst>
           </p:cNvPr>
@@ -1673,7 +1690,7 @@
           <p:cNvPr id="5" name="Substituent text 4">
             <a:extLst>
               <a:ext uri="{FF2B5EF4-FFF2-40B4-BE49-F238E27FC236}">
-                <a16:creationId xmlns:a16="http://schemas.microsoft.com/office/drawing/2014/main" id="{B98DFB08-1DC8-4AA8-A411-A5ED40366D1F}"/>
+                <a16:creationId xmlns:a16="http://schemas.microsoft.com/office/drawing/2014/main" id="{9B4881DF-663E-4EAF-B7C9-502E72775AB7}"/>
               </a:ext>
             </a:extLst>
           </p:cNvPr>
@@ -1744,7 +1761,7 @@
           <p:cNvPr id="6" name="Substituent conținut 5">
             <a:extLst>
               <a:ext uri="{FF2B5EF4-FFF2-40B4-BE49-F238E27FC236}">
-                <a16:creationId xmlns:a16="http://schemas.microsoft.com/office/drawing/2014/main" id="{438E8A0B-0B92-4D7E-B7B9-E9E4381CEDE9}"/>
+                <a16:creationId xmlns:a16="http://schemas.microsoft.com/office/drawing/2014/main" id="{685CF90A-6FB5-4646-8819-AC2E95FF842C}"/>
               </a:ext>
             </a:extLst>
           </p:cNvPr>
@@ -1807,7 +1824,7 @@
           <p:cNvPr id="7" name="Substituent dată 6">
             <a:extLst>
               <a:ext uri="{FF2B5EF4-FFF2-40B4-BE49-F238E27FC236}">
-                <a16:creationId xmlns:a16="http://schemas.microsoft.com/office/drawing/2014/main" id="{85722DDC-66D6-4CB3-81C3-D02D3F7DE624}"/>
+                <a16:creationId xmlns:a16="http://schemas.microsoft.com/office/drawing/2014/main" id="{0CFDD6AC-3240-4400-A658-BB5CDC14999D}"/>
               </a:ext>
             </a:extLst>
           </p:cNvPr>
@@ -1823,9 +1840,9 @@
           <a:bodyPr/>
           <a:lstStyle/>
           <a:p>
-            <a:fld id="{F17B64D7-7808-4C1B-BE3D-0F464CBAEF23}" type="datetimeFigureOut">
+            <a:fld id="{4F698076-8502-4384-AB9E-CDB4361F1330}" type="datetimeFigureOut">
               <a:rPr lang="en-US" smtClean="0"/>
-              <a:t>25-Jun-18</a:t>
+              <a:t>03-Jul-18</a:t>
             </a:fld>
             <a:endParaRPr lang="en-US"/>
           </a:p>
@@ -1836,7 +1853,7 @@
           <p:cNvPr id="8" name="Substituent subsol 7">
             <a:extLst>
               <a:ext uri="{FF2B5EF4-FFF2-40B4-BE49-F238E27FC236}">
-                <a16:creationId xmlns:a16="http://schemas.microsoft.com/office/drawing/2014/main" id="{05FA5A07-0F32-494D-A6BD-61D99485F8B1}"/>
+                <a16:creationId xmlns:a16="http://schemas.microsoft.com/office/drawing/2014/main" id="{C3D828F9-F1FE-412D-BAAC-D406C9992F4F}"/>
               </a:ext>
             </a:extLst>
           </p:cNvPr>
@@ -1861,7 +1878,7 @@
           <p:cNvPr id="9" name="Substituent număr diapozitiv 8">
             <a:extLst>
               <a:ext uri="{FF2B5EF4-FFF2-40B4-BE49-F238E27FC236}">
-                <a16:creationId xmlns:a16="http://schemas.microsoft.com/office/drawing/2014/main" id="{69381AAF-947C-44A2-9690-B2E05289198C}"/>
+                <a16:creationId xmlns:a16="http://schemas.microsoft.com/office/drawing/2014/main" id="{5277FCF8-6AAF-4F52-9379-C9379FE0D345}"/>
               </a:ext>
             </a:extLst>
           </p:cNvPr>
@@ -1877,7 +1894,7 @@
           <a:bodyPr/>
           <a:lstStyle/>
           <a:p>
-            <a:fld id="{3802FEBB-663E-42C9-A76E-9D090FF5F0E3}" type="slidenum">
+            <a:fld id="{4140DFDF-0283-469B-8830-B337B2BADA52}" type="slidenum">
               <a:rPr lang="en-US" smtClean="0"/>
               <a:t>‹#›</a:t>
             </a:fld>
@@ -1888,7 +1905,7 @@
     </p:spTree>
     <p:extLst>
       <p:ext uri="{BB962C8B-B14F-4D97-AF65-F5344CB8AC3E}">
-        <p14:creationId xmlns:p14="http://schemas.microsoft.com/office/powerpoint/2010/main" val="1259132745"/>
+        <p14:creationId xmlns:p14="http://schemas.microsoft.com/office/powerpoint/2010/main" val="884672541"/>
       </p:ext>
     </p:extLst>
   </p:cSld>
@@ -1920,7 +1937,7 @@
           <p:cNvPr id="2" name="Titlu 1">
             <a:extLst>
               <a:ext uri="{FF2B5EF4-FFF2-40B4-BE49-F238E27FC236}">
-                <a16:creationId xmlns:a16="http://schemas.microsoft.com/office/drawing/2014/main" id="{B5809E8D-0358-42FD-AD88-B0014E3D04BC}"/>
+                <a16:creationId xmlns:a16="http://schemas.microsoft.com/office/drawing/2014/main" id="{6AC43E44-FA6E-4FEB-B79D-F64104946E87}"/>
               </a:ext>
             </a:extLst>
           </p:cNvPr>
@@ -1949,7 +1966,7 @@
           <p:cNvPr id="3" name="Substituent dată 2">
             <a:extLst>
               <a:ext uri="{FF2B5EF4-FFF2-40B4-BE49-F238E27FC236}">
-                <a16:creationId xmlns:a16="http://schemas.microsoft.com/office/drawing/2014/main" id="{E45D1CBD-479E-44E5-A20C-8DD7879586F1}"/>
+                <a16:creationId xmlns:a16="http://schemas.microsoft.com/office/drawing/2014/main" id="{8DA89052-2AD3-4E79-9D6C-4A5B82B9F91E}"/>
               </a:ext>
             </a:extLst>
           </p:cNvPr>
@@ -1965,9 +1982,9 @@
           <a:bodyPr/>
           <a:lstStyle/>
           <a:p>
-            <a:fld id="{F17B64D7-7808-4C1B-BE3D-0F464CBAEF23}" type="datetimeFigureOut">
+            <a:fld id="{4F698076-8502-4384-AB9E-CDB4361F1330}" type="datetimeFigureOut">
               <a:rPr lang="en-US" smtClean="0"/>
-              <a:t>25-Jun-18</a:t>
+              <a:t>03-Jul-18</a:t>
             </a:fld>
             <a:endParaRPr lang="en-US"/>
           </a:p>
@@ -1978,7 +1995,7 @@
           <p:cNvPr id="4" name="Substituent subsol 3">
             <a:extLst>
               <a:ext uri="{FF2B5EF4-FFF2-40B4-BE49-F238E27FC236}">
-                <a16:creationId xmlns:a16="http://schemas.microsoft.com/office/drawing/2014/main" id="{16EA8947-3685-496A-9016-69F08CBF6835}"/>
+                <a16:creationId xmlns:a16="http://schemas.microsoft.com/office/drawing/2014/main" id="{58E01724-1F65-49E5-8171-E726E1E6604F}"/>
               </a:ext>
             </a:extLst>
           </p:cNvPr>
@@ -2003,7 +2020,7 @@
           <p:cNvPr id="5" name="Substituent număr diapozitiv 4">
             <a:extLst>
               <a:ext uri="{FF2B5EF4-FFF2-40B4-BE49-F238E27FC236}">
-                <a16:creationId xmlns:a16="http://schemas.microsoft.com/office/drawing/2014/main" id="{7A086BD2-E51C-435B-9EDB-A60F9F1F6799}"/>
+                <a16:creationId xmlns:a16="http://schemas.microsoft.com/office/drawing/2014/main" id="{12F4B86A-A401-40F8-9F52-622498C2CEB2}"/>
               </a:ext>
             </a:extLst>
           </p:cNvPr>
@@ -2019,7 +2036,7 @@
           <a:bodyPr/>
           <a:lstStyle/>
           <a:p>
-            <a:fld id="{3802FEBB-663E-42C9-A76E-9D090FF5F0E3}" type="slidenum">
+            <a:fld id="{4140DFDF-0283-469B-8830-B337B2BADA52}" type="slidenum">
               <a:rPr lang="en-US" smtClean="0"/>
               <a:t>‹#›</a:t>
             </a:fld>
@@ -2030,7 +2047,7 @@
     </p:spTree>
     <p:extLst>
       <p:ext uri="{BB962C8B-B14F-4D97-AF65-F5344CB8AC3E}">
-        <p14:creationId xmlns:p14="http://schemas.microsoft.com/office/powerpoint/2010/main" val="2827561964"/>
+        <p14:creationId xmlns:p14="http://schemas.microsoft.com/office/powerpoint/2010/main" val="671116176"/>
       </p:ext>
     </p:extLst>
   </p:cSld>
@@ -2062,7 +2079,7 @@
           <p:cNvPr id="2" name="Substituent dată 1">
             <a:extLst>
               <a:ext uri="{FF2B5EF4-FFF2-40B4-BE49-F238E27FC236}">
-                <a16:creationId xmlns:a16="http://schemas.microsoft.com/office/drawing/2014/main" id="{26048C0F-F976-4081-A651-3DFADCB03B48}"/>
+                <a16:creationId xmlns:a16="http://schemas.microsoft.com/office/drawing/2014/main" id="{0A14B550-557F-42C9-A577-C1FAEC2161BC}"/>
               </a:ext>
             </a:extLst>
           </p:cNvPr>
@@ -2078,9 +2095,9 @@
           <a:bodyPr/>
           <a:lstStyle/>
           <a:p>
-            <a:fld id="{F17B64D7-7808-4C1B-BE3D-0F464CBAEF23}" type="datetimeFigureOut">
+            <a:fld id="{4F698076-8502-4384-AB9E-CDB4361F1330}" type="datetimeFigureOut">
               <a:rPr lang="en-US" smtClean="0"/>
-              <a:t>25-Jun-18</a:t>
+              <a:t>03-Jul-18</a:t>
             </a:fld>
             <a:endParaRPr lang="en-US"/>
           </a:p>
@@ -2091,7 +2108,7 @@
           <p:cNvPr id="3" name="Substituent subsol 2">
             <a:extLst>
               <a:ext uri="{FF2B5EF4-FFF2-40B4-BE49-F238E27FC236}">
-                <a16:creationId xmlns:a16="http://schemas.microsoft.com/office/drawing/2014/main" id="{C5841CB5-4D13-460B-8ED5-A6AC1E87BB75}"/>
+                <a16:creationId xmlns:a16="http://schemas.microsoft.com/office/drawing/2014/main" id="{812C3DD8-6736-42FD-831D-615DA8FAA9A0}"/>
               </a:ext>
             </a:extLst>
           </p:cNvPr>
@@ -2116,7 +2133,7 @@
           <p:cNvPr id="4" name="Substituent număr diapozitiv 3">
             <a:extLst>
               <a:ext uri="{FF2B5EF4-FFF2-40B4-BE49-F238E27FC236}">
-                <a16:creationId xmlns:a16="http://schemas.microsoft.com/office/drawing/2014/main" id="{EFCE918E-1D23-40A4-BD0C-91F5BB8E71DE}"/>
+                <a16:creationId xmlns:a16="http://schemas.microsoft.com/office/drawing/2014/main" id="{45A9E520-9CBF-4EF9-9582-6E92F9C8D1EE}"/>
               </a:ext>
             </a:extLst>
           </p:cNvPr>
@@ -2132,7 +2149,7 @@
           <a:bodyPr/>
           <a:lstStyle/>
           <a:p>
-            <a:fld id="{3802FEBB-663E-42C9-A76E-9D090FF5F0E3}" type="slidenum">
+            <a:fld id="{4140DFDF-0283-469B-8830-B337B2BADA52}" type="slidenum">
               <a:rPr lang="en-US" smtClean="0"/>
               <a:t>‹#›</a:t>
             </a:fld>
@@ -2143,7 +2160,7 @@
     </p:spTree>
     <p:extLst>
       <p:ext uri="{BB962C8B-B14F-4D97-AF65-F5344CB8AC3E}">
-        <p14:creationId xmlns:p14="http://schemas.microsoft.com/office/powerpoint/2010/main" val="2252661297"/>
+        <p14:creationId xmlns:p14="http://schemas.microsoft.com/office/powerpoint/2010/main" val="2731884539"/>
       </p:ext>
     </p:extLst>
   </p:cSld>
@@ -2175,7 +2192,7 @@
           <p:cNvPr id="2" name="Titlu 1">
             <a:extLst>
               <a:ext uri="{FF2B5EF4-FFF2-40B4-BE49-F238E27FC236}">
-                <a16:creationId xmlns:a16="http://schemas.microsoft.com/office/drawing/2014/main" id="{205DFBC2-CC62-4E84-B148-B68DF4FC2F35}"/>
+                <a16:creationId xmlns:a16="http://schemas.microsoft.com/office/drawing/2014/main" id="{288F4B19-19E3-4C1C-8530-853CE48EF022}"/>
               </a:ext>
             </a:extLst>
           </p:cNvPr>
@@ -2213,7 +2230,7 @@
           <p:cNvPr id="3" name="Substituent conținut 2">
             <a:extLst>
               <a:ext uri="{FF2B5EF4-FFF2-40B4-BE49-F238E27FC236}">
-                <a16:creationId xmlns:a16="http://schemas.microsoft.com/office/drawing/2014/main" id="{F838203B-8D09-47D7-9230-EB9D7EEC54BC}"/>
+                <a16:creationId xmlns:a16="http://schemas.microsoft.com/office/drawing/2014/main" id="{376DE96F-0DE2-4E3F-8EE2-37A66DAA3366}"/>
               </a:ext>
             </a:extLst>
           </p:cNvPr>
@@ -2304,7 +2321,7 @@
           <p:cNvPr id="4" name="Substituent text 3">
             <a:extLst>
               <a:ext uri="{FF2B5EF4-FFF2-40B4-BE49-F238E27FC236}">
-                <a16:creationId xmlns:a16="http://schemas.microsoft.com/office/drawing/2014/main" id="{3FF7229D-8C5F-4A0A-876E-A8378082F14A}"/>
+                <a16:creationId xmlns:a16="http://schemas.microsoft.com/office/drawing/2014/main" id="{E47359A9-D3E9-4E72-8F71-E9A0899A5A5F}"/>
               </a:ext>
             </a:extLst>
           </p:cNvPr>
@@ -2375,7 +2392,7 @@
           <p:cNvPr id="5" name="Substituent dată 4">
             <a:extLst>
               <a:ext uri="{FF2B5EF4-FFF2-40B4-BE49-F238E27FC236}">
-                <a16:creationId xmlns:a16="http://schemas.microsoft.com/office/drawing/2014/main" id="{CA63F452-3AEA-4B93-8EC7-24F30EF6F179}"/>
+                <a16:creationId xmlns:a16="http://schemas.microsoft.com/office/drawing/2014/main" id="{81750EA1-94C4-49CD-85FE-511D3CBD7753}"/>
               </a:ext>
             </a:extLst>
           </p:cNvPr>
@@ -2391,9 +2408,9 @@
           <a:bodyPr/>
           <a:lstStyle/>
           <a:p>
-            <a:fld id="{F17B64D7-7808-4C1B-BE3D-0F464CBAEF23}" type="datetimeFigureOut">
+            <a:fld id="{4F698076-8502-4384-AB9E-CDB4361F1330}" type="datetimeFigureOut">
               <a:rPr lang="en-US" smtClean="0"/>
-              <a:t>25-Jun-18</a:t>
+              <a:t>03-Jul-18</a:t>
             </a:fld>
             <a:endParaRPr lang="en-US"/>
           </a:p>
@@ -2404,7 +2421,7 @@
           <p:cNvPr id="6" name="Substituent subsol 5">
             <a:extLst>
               <a:ext uri="{FF2B5EF4-FFF2-40B4-BE49-F238E27FC236}">
-                <a16:creationId xmlns:a16="http://schemas.microsoft.com/office/drawing/2014/main" id="{C44293FE-D301-40C5-A2AD-6579BFC60C6F}"/>
+                <a16:creationId xmlns:a16="http://schemas.microsoft.com/office/drawing/2014/main" id="{B8E87056-C741-48D8-BCCF-A5B8CDB2D6D9}"/>
               </a:ext>
             </a:extLst>
           </p:cNvPr>
@@ -2429,7 +2446,7 @@
           <p:cNvPr id="7" name="Substituent număr diapozitiv 6">
             <a:extLst>
               <a:ext uri="{FF2B5EF4-FFF2-40B4-BE49-F238E27FC236}">
-                <a16:creationId xmlns:a16="http://schemas.microsoft.com/office/drawing/2014/main" id="{52A3D100-C5D4-46A6-AE7F-744ADA13F108}"/>
+                <a16:creationId xmlns:a16="http://schemas.microsoft.com/office/drawing/2014/main" id="{B241BBB6-DA11-489C-8F38-FB2B18D3B289}"/>
               </a:ext>
             </a:extLst>
           </p:cNvPr>
@@ -2445,7 +2462,7 @@
           <a:bodyPr/>
           <a:lstStyle/>
           <a:p>
-            <a:fld id="{3802FEBB-663E-42C9-A76E-9D090FF5F0E3}" type="slidenum">
+            <a:fld id="{4140DFDF-0283-469B-8830-B337B2BADA52}" type="slidenum">
               <a:rPr lang="en-US" smtClean="0"/>
               <a:t>‹#›</a:t>
             </a:fld>
@@ -2456,7 +2473,7 @@
     </p:spTree>
     <p:extLst>
       <p:ext uri="{BB962C8B-B14F-4D97-AF65-F5344CB8AC3E}">
-        <p14:creationId xmlns:p14="http://schemas.microsoft.com/office/powerpoint/2010/main" val="2935105568"/>
+        <p14:creationId xmlns:p14="http://schemas.microsoft.com/office/powerpoint/2010/main" val="239182502"/>
       </p:ext>
     </p:extLst>
   </p:cSld>
@@ -2488,7 +2505,7 @@
           <p:cNvPr id="2" name="Titlu 1">
             <a:extLst>
               <a:ext uri="{FF2B5EF4-FFF2-40B4-BE49-F238E27FC236}">
-                <a16:creationId xmlns:a16="http://schemas.microsoft.com/office/drawing/2014/main" id="{5E9F26D3-BB74-4AE2-B329-0B91F5888CF5}"/>
+                <a16:creationId xmlns:a16="http://schemas.microsoft.com/office/drawing/2014/main" id="{F4233963-09DC-45D0-B3E9-8EB7A0DE1DD8}"/>
               </a:ext>
             </a:extLst>
           </p:cNvPr>
@@ -2526,7 +2543,7 @@
           <p:cNvPr id="3" name="Substituent imagine 2">
             <a:extLst>
               <a:ext uri="{FF2B5EF4-FFF2-40B4-BE49-F238E27FC236}">
-                <a16:creationId xmlns:a16="http://schemas.microsoft.com/office/drawing/2014/main" id="{FAE98828-75C8-4B73-9F84-4300D336C8BA}"/>
+                <a16:creationId xmlns:a16="http://schemas.microsoft.com/office/drawing/2014/main" id="{EDA9CDFE-DD5D-48CA-A05B-A51AD25F2AA0}"/>
               </a:ext>
             </a:extLst>
           </p:cNvPr>
@@ -2593,7 +2610,7 @@
           <p:cNvPr id="4" name="Substituent text 3">
             <a:extLst>
               <a:ext uri="{FF2B5EF4-FFF2-40B4-BE49-F238E27FC236}">
-                <a16:creationId xmlns:a16="http://schemas.microsoft.com/office/drawing/2014/main" id="{A8AECCC3-A196-4CB2-A6CD-BDEC3E7F142F}"/>
+                <a16:creationId xmlns:a16="http://schemas.microsoft.com/office/drawing/2014/main" id="{624B618C-AD88-42FC-98BB-E0AC16079AEC}"/>
               </a:ext>
             </a:extLst>
           </p:cNvPr>
@@ -2664,7 +2681,7 @@
           <p:cNvPr id="5" name="Substituent dată 4">
             <a:extLst>
               <a:ext uri="{FF2B5EF4-FFF2-40B4-BE49-F238E27FC236}">
-                <a16:creationId xmlns:a16="http://schemas.microsoft.com/office/drawing/2014/main" id="{5ACFEACB-B4C7-4510-9D05-9F9AECBADA0D}"/>
+                <a16:creationId xmlns:a16="http://schemas.microsoft.com/office/drawing/2014/main" id="{B65BB31F-3BB6-48A2-BBA1-5F9627E21398}"/>
               </a:ext>
             </a:extLst>
           </p:cNvPr>
@@ -2680,9 +2697,9 @@
           <a:bodyPr/>
           <a:lstStyle/>
           <a:p>
-            <a:fld id="{F17B64D7-7808-4C1B-BE3D-0F464CBAEF23}" type="datetimeFigureOut">
+            <a:fld id="{4F698076-8502-4384-AB9E-CDB4361F1330}" type="datetimeFigureOut">
               <a:rPr lang="en-US" smtClean="0"/>
-              <a:t>25-Jun-18</a:t>
+              <a:t>03-Jul-18</a:t>
             </a:fld>
             <a:endParaRPr lang="en-US"/>
           </a:p>
@@ -2693,7 +2710,7 @@
           <p:cNvPr id="6" name="Substituent subsol 5">
             <a:extLst>
               <a:ext uri="{FF2B5EF4-FFF2-40B4-BE49-F238E27FC236}">
-                <a16:creationId xmlns:a16="http://schemas.microsoft.com/office/drawing/2014/main" id="{6F2E378D-6ED4-42D3-9DF6-A52A333876C9}"/>
+                <a16:creationId xmlns:a16="http://schemas.microsoft.com/office/drawing/2014/main" id="{0EE2A285-F046-4466-8020-88B697F38D28}"/>
               </a:ext>
             </a:extLst>
           </p:cNvPr>
@@ -2718,7 +2735,7 @@
           <p:cNvPr id="7" name="Substituent număr diapozitiv 6">
             <a:extLst>
               <a:ext uri="{FF2B5EF4-FFF2-40B4-BE49-F238E27FC236}">
-                <a16:creationId xmlns:a16="http://schemas.microsoft.com/office/drawing/2014/main" id="{4F54D6F3-65A8-43B1-B130-29A2EE61B7D5}"/>
+                <a16:creationId xmlns:a16="http://schemas.microsoft.com/office/drawing/2014/main" id="{3DE341BD-8DBE-4230-A664-34DD4EF7A892}"/>
               </a:ext>
             </a:extLst>
           </p:cNvPr>
@@ -2734,7 +2751,7 @@
           <a:bodyPr/>
           <a:lstStyle/>
           <a:p>
-            <a:fld id="{3802FEBB-663E-42C9-A76E-9D090FF5F0E3}" type="slidenum">
+            <a:fld id="{4140DFDF-0283-469B-8830-B337B2BADA52}" type="slidenum">
               <a:rPr lang="en-US" smtClean="0"/>
               <a:t>‹#›</a:t>
             </a:fld>
@@ -2745,7 +2762,7 @@
     </p:spTree>
     <p:extLst>
       <p:ext uri="{BB962C8B-B14F-4D97-AF65-F5344CB8AC3E}">
-        <p14:creationId xmlns:p14="http://schemas.microsoft.com/office/powerpoint/2010/main" val="4065606397"/>
+        <p14:creationId xmlns:p14="http://schemas.microsoft.com/office/powerpoint/2010/main" val="2275667339"/>
       </p:ext>
     </p:extLst>
   </p:cSld>
@@ -2782,7 +2799,7 @@
           <p:cNvPr id="2" name="Substituent titlu 1">
             <a:extLst>
               <a:ext uri="{FF2B5EF4-FFF2-40B4-BE49-F238E27FC236}">
-                <a16:creationId xmlns:a16="http://schemas.microsoft.com/office/drawing/2014/main" id="{244045FD-0D72-49B5-934C-4264B9836364}"/>
+                <a16:creationId xmlns:a16="http://schemas.microsoft.com/office/drawing/2014/main" id="{9B0E0C28-2BDA-45B6-A7C1-D117EB6732F5}"/>
               </a:ext>
             </a:extLst>
           </p:cNvPr>
@@ -2821,7 +2838,7 @@
           <p:cNvPr id="3" name="Substituent text 2">
             <a:extLst>
               <a:ext uri="{FF2B5EF4-FFF2-40B4-BE49-F238E27FC236}">
-                <a16:creationId xmlns:a16="http://schemas.microsoft.com/office/drawing/2014/main" id="{B9305E52-6BAD-4117-9299-820CE3D11443}"/>
+                <a16:creationId xmlns:a16="http://schemas.microsoft.com/office/drawing/2014/main" id="{E57CC166-D200-4FBC-B218-DC484A07B27D}"/>
               </a:ext>
             </a:extLst>
           </p:cNvPr>
@@ -2889,7 +2906,7 @@
           <p:cNvPr id="4" name="Substituent dată 3">
             <a:extLst>
               <a:ext uri="{FF2B5EF4-FFF2-40B4-BE49-F238E27FC236}">
-                <a16:creationId xmlns:a16="http://schemas.microsoft.com/office/drawing/2014/main" id="{18423804-89E0-4FFA-9B62-BDAA8D0833A9}"/>
+                <a16:creationId xmlns:a16="http://schemas.microsoft.com/office/drawing/2014/main" id="{A0F70335-09BC-48C0-976B-0926FFBA65D4}"/>
               </a:ext>
             </a:extLst>
           </p:cNvPr>
@@ -2923,9 +2940,9 @@
             </a:lvl1pPr>
           </a:lstStyle>
           <a:p>
-            <a:fld id="{F17B64D7-7808-4C1B-BE3D-0F464CBAEF23}" type="datetimeFigureOut">
+            <a:fld id="{4F698076-8502-4384-AB9E-CDB4361F1330}" type="datetimeFigureOut">
               <a:rPr lang="en-US" smtClean="0"/>
-              <a:t>25-Jun-18</a:t>
+              <a:t>03-Jul-18</a:t>
             </a:fld>
             <a:endParaRPr lang="en-US"/>
           </a:p>
@@ -2936,7 +2953,7 @@
           <p:cNvPr id="5" name="Substituent subsol 4">
             <a:extLst>
               <a:ext uri="{FF2B5EF4-FFF2-40B4-BE49-F238E27FC236}">
-                <a16:creationId xmlns:a16="http://schemas.microsoft.com/office/drawing/2014/main" id="{CA46E64D-4C56-446A-9FD9-E4D3729F7BCB}"/>
+                <a16:creationId xmlns:a16="http://schemas.microsoft.com/office/drawing/2014/main" id="{7632E35C-8D02-475B-A748-354C11ABC519}"/>
               </a:ext>
             </a:extLst>
           </p:cNvPr>
@@ -2979,7 +2996,7 @@
           <p:cNvPr id="6" name="Substituent număr diapozitiv 5">
             <a:extLst>
               <a:ext uri="{FF2B5EF4-FFF2-40B4-BE49-F238E27FC236}">
-                <a16:creationId xmlns:a16="http://schemas.microsoft.com/office/drawing/2014/main" id="{74FB646B-8DF9-45F6-BC10-CA05375677DC}"/>
+                <a16:creationId xmlns:a16="http://schemas.microsoft.com/office/drawing/2014/main" id="{697D9200-D178-4761-A92B-4571F2152F21}"/>
               </a:ext>
             </a:extLst>
           </p:cNvPr>
@@ -3013,7 +3030,7 @@
             </a:lvl1pPr>
           </a:lstStyle>
           <a:p>
-            <a:fld id="{3802FEBB-663E-42C9-A76E-9D090FF5F0E3}" type="slidenum">
+            <a:fld id="{4140DFDF-0283-469B-8830-B337B2BADA52}" type="slidenum">
               <a:rPr lang="en-US" smtClean="0"/>
               <a:t>‹#›</a:t>
             </a:fld>
@@ -3024,7 +3041,7 @@
     </p:spTree>
     <p:extLst>
       <p:ext uri="{BB962C8B-B14F-4D97-AF65-F5344CB8AC3E}">
-        <p14:creationId xmlns:p14="http://schemas.microsoft.com/office/powerpoint/2010/main" val="1913071103"/>
+        <p14:creationId xmlns:p14="http://schemas.microsoft.com/office/powerpoint/2010/main" val="2569857743"/>
       </p:ext>
     </p:extLst>
   </p:cSld>
@@ -3347,7 +3364,7 @@
           <p:cNvPr id="2" name="Titlu 1">
             <a:extLst>
               <a:ext uri="{FF2B5EF4-FFF2-40B4-BE49-F238E27FC236}">
-                <a16:creationId xmlns:a16="http://schemas.microsoft.com/office/drawing/2014/main" id="{93F31AE3-8BB2-47DA-B3C2-B6F911379BEB}"/>
+                <a16:creationId xmlns:a16="http://schemas.microsoft.com/office/drawing/2014/main" id="{9EAF7452-B953-4E80-AB37-5BE399257583}"/>
               </a:ext>
             </a:extLst>
           </p:cNvPr>
@@ -3365,11 +3382,7 @@
           <a:p>
             <a:r>
               <a:rPr lang="en-US" dirty="0"/>
-              <a:t>Blood </a:t>
-            </a:r>
-            <a:r>
-              <a:rPr lang="en-US"/>
-              <a:t>Bank Management System</a:t>
+              <a:t>Blood Bank Management System</a:t>
             </a:r>
           </a:p>
         </p:txBody>
@@ -3379,7 +3392,7 @@
           <p:cNvPr id="3" name="Subtitlu 2">
             <a:extLst>
               <a:ext uri="{FF2B5EF4-FFF2-40B4-BE49-F238E27FC236}">
-                <a16:creationId xmlns:a16="http://schemas.microsoft.com/office/drawing/2014/main" id="{6EFB2F24-6FCD-4167-B680-11980941D241}"/>
+                <a16:creationId xmlns:a16="http://schemas.microsoft.com/office/drawing/2014/main" id="{FCE062EF-E3C7-4C94-BD01-27C476F4A572}"/>
               </a:ext>
             </a:extLst>
           </p:cNvPr>
@@ -3390,25 +3403,3171 @@
             <p:ph type="subTitle" idx="1"/>
           </p:nvPr>
         </p:nvSpPr>
-        <p:spPr/>
-        <p:txBody>
-          <a:bodyPr/>
-          <a:lstStyle/>
-          <a:p>
-            <a:endParaRPr lang="en-US"/>
+        <p:spPr>
+          <a:xfrm>
+            <a:off x="777239" y="4989354"/>
+            <a:ext cx="3222567" cy="1077218"/>
+          </a:xfrm>
+        </p:spPr>
+        <p:txBody>
+          <a:bodyPr>
+            <a:normAutofit lnSpcReduction="10000"/>
+          </a:bodyPr>
+          <a:lstStyle/>
+          <a:p>
+            <a:r>
+              <a:rPr lang="en-US" sz="3200" dirty="0"/>
+              <a:t>Student,</a:t>
+            </a:r>
+          </a:p>
+          <a:p>
+            <a:r>
+              <a:rPr lang="en-US" sz="3200" dirty="0"/>
+              <a:t>Gabor Ramon</a:t>
+            </a:r>
+          </a:p>
+        </p:txBody>
+      </p:sp>
+      <p:sp>
+        <p:nvSpPr>
+          <p:cNvPr id="4" name="CasetăText 3">
+            <a:extLst>
+              <a:ext uri="{FF2B5EF4-FFF2-40B4-BE49-F238E27FC236}">
+                <a16:creationId xmlns:a16="http://schemas.microsoft.com/office/drawing/2014/main" id="{933E2C2B-DDE9-49FA-B15B-F34FDF03AC4C}"/>
+              </a:ext>
+            </a:extLst>
+          </p:cNvPr>
+          <p:cNvSpPr txBox="1"/>
+          <p:nvPr/>
+        </p:nvSpPr>
+        <p:spPr>
+          <a:xfrm>
+            <a:off x="7155873" y="4989354"/>
+            <a:ext cx="4451927" cy="1077218"/>
+          </a:xfrm>
+          <a:prstGeom prst="rect">
+            <a:avLst/>
+          </a:prstGeom>
+          <a:noFill/>
+        </p:spPr>
+        <p:txBody>
+          <a:bodyPr wrap="square" rtlCol="0">
+            <a:spAutoFit/>
+          </a:bodyPr>
+          <a:lstStyle/>
+          <a:p>
+            <a:pPr algn="ctr"/>
+            <a:r>
+              <a:rPr lang="en-US" sz="3200" dirty="0" err="1"/>
+              <a:t>Profesor</a:t>
+            </a:r>
+            <a:r>
+              <a:rPr lang="en-US" sz="3200" dirty="0"/>
+              <a:t> </a:t>
+            </a:r>
+            <a:r>
+              <a:rPr lang="en-US" sz="3200" dirty="0" err="1"/>
+              <a:t>coordonator</a:t>
+            </a:r>
+            <a:r>
+              <a:rPr lang="en-US" sz="3200" dirty="0"/>
+              <a:t>,</a:t>
+            </a:r>
+          </a:p>
+          <a:p>
+            <a:pPr algn="ctr"/>
+            <a:r>
+              <a:rPr lang="en-US" sz="3200" dirty="0"/>
+              <a:t>Lect. Dr. </a:t>
+            </a:r>
+            <a:r>
+              <a:rPr lang="en-US" sz="3200" dirty="0" err="1"/>
+              <a:t>Arusoaie</a:t>
+            </a:r>
+            <a:r>
+              <a:rPr lang="en-US" sz="3200" dirty="0"/>
+              <a:t> Andrei</a:t>
+            </a:r>
           </a:p>
         </p:txBody>
       </p:sp>
     </p:spTree>
     <p:extLst>
       <p:ext uri="{BB962C8B-B14F-4D97-AF65-F5344CB8AC3E}">
-        <p14:creationId xmlns:p14="http://schemas.microsoft.com/office/powerpoint/2010/main" val="1553056523"/>
+        <p14:creationId xmlns:p14="http://schemas.microsoft.com/office/powerpoint/2010/main" val="3334010562"/>
       </p:ext>
     </p:extLst>
   </p:cSld>
   <p:clrMapOvr>
     <a:masterClrMapping/>
   </p:clrMapOvr>
+</p:sld>
+</file>
+
+<file path=ppt/slides/slide10.xml><?xml version="1.0" encoding="utf-8"?>
+<p:sld xmlns:a="http://schemas.openxmlformats.org/drawingml/2006/main" xmlns:r="http://schemas.openxmlformats.org/officeDocument/2006/relationships" xmlns:p="http://schemas.openxmlformats.org/presentationml/2006/main">
+  <p:cSld>
+    <p:spTree>
+      <p:nvGrpSpPr>
+        <p:cNvPr id="1" name=""/>
+        <p:cNvGrpSpPr/>
+        <p:nvPr/>
+      </p:nvGrpSpPr>
+      <p:grpSpPr>
+        <a:xfrm>
+          <a:off x="0" y="0"/>
+          <a:ext cx="0" cy="0"/>
+          <a:chOff x="0" y="0"/>
+          <a:chExt cx="0" cy="0"/>
+        </a:xfrm>
+      </p:grpSpPr>
+      <p:graphicFrame>
+        <p:nvGraphicFramePr>
+          <p:cNvPr id="4" name="Substituent conținut 3">
+            <a:extLst>
+              <a:ext uri="{FF2B5EF4-FFF2-40B4-BE49-F238E27FC236}">
+                <a16:creationId xmlns:a16="http://schemas.microsoft.com/office/drawing/2014/main" id="{2F55407F-EF87-4D59-8232-D6529F346421}"/>
+              </a:ext>
+            </a:extLst>
+          </p:cNvPr>
+          <p:cNvGraphicFramePr>
+            <a:graphicFrameLocks noGrp="1"/>
+          </p:cNvGraphicFramePr>
+          <p:nvPr>
+            <p:ph idx="1"/>
+            <p:extLst>
+              <p:ext uri="{D42A27DB-BD31-4B8C-83A1-F6EECF244321}">
+                <p14:modId xmlns:p14="http://schemas.microsoft.com/office/powerpoint/2010/main" val="1403225212"/>
+              </p:ext>
+            </p:extLst>
+          </p:nvPr>
+        </p:nvGraphicFramePr>
+        <p:xfrm>
+          <a:off x="838200" y="1052542"/>
+          <a:ext cx="10515600" cy="2595880"/>
+        </p:xfrm>
+        <a:graphic>
+          <a:graphicData uri="http://schemas.openxmlformats.org/drawingml/2006/table">
+            <a:tbl>
+              <a:tblPr firstRow="1" bandRow="1">
+                <a:tableStyleId>{5C22544A-7EE6-4342-B048-85BDC9FD1C3A}</a:tableStyleId>
+              </a:tblPr>
+              <a:tblGrid>
+                <a:gridCol w="3505200">
+                  <a:extLst>
+                    <a:ext uri="{9D8B030D-6E8A-4147-A177-3AD203B41FA5}">
+                      <a16:colId xmlns:a16="http://schemas.microsoft.com/office/drawing/2014/main" val="2614803358"/>
+                    </a:ext>
+                  </a:extLst>
+                </a:gridCol>
+                <a:gridCol w="3505200">
+                  <a:extLst>
+                    <a:ext uri="{9D8B030D-6E8A-4147-A177-3AD203B41FA5}">
+                      <a16:colId xmlns:a16="http://schemas.microsoft.com/office/drawing/2014/main" val="920072549"/>
+                    </a:ext>
+                  </a:extLst>
+                </a:gridCol>
+                <a:gridCol w="3505200">
+                  <a:extLst>
+                    <a:ext uri="{9D8B030D-6E8A-4147-A177-3AD203B41FA5}">
+                      <a16:colId xmlns:a16="http://schemas.microsoft.com/office/drawing/2014/main" val="328028142"/>
+                    </a:ext>
+                  </a:extLst>
+                </a:gridCol>
+              </a:tblGrid>
+              <a:tr h="370840">
+                <a:tc>
+                  <a:txBody>
+                    <a:bodyPr/>
+                    <a:lstStyle/>
+                    <a:p>
+                      <a:pPr algn="ctr"/>
+                      <a:endParaRPr lang="en-US" dirty="0"/>
+                    </a:p>
+                  </a:txBody>
+                  <a:tcPr/>
+                </a:tc>
+                <a:tc>
+                  <a:txBody>
+                    <a:bodyPr/>
+                    <a:lstStyle/>
+                    <a:p>
+                      <a:pPr algn="ctr"/>
+                      <a:r>
+                        <a:rPr lang="ro-RO" dirty="0"/>
+                        <a:t>Pacient 1</a:t>
+                      </a:r>
+                      <a:endParaRPr lang="en-US" dirty="0"/>
+                    </a:p>
+                  </a:txBody>
+                  <a:tcPr/>
+                </a:tc>
+                <a:tc>
+                  <a:txBody>
+                    <a:bodyPr/>
+                    <a:lstStyle/>
+                    <a:p>
+                      <a:pPr algn="ctr"/>
+                      <a:r>
+                        <a:rPr lang="ro-RO" dirty="0"/>
+                        <a:t>Pacient 2</a:t>
+                      </a:r>
+                      <a:endParaRPr lang="en-US" dirty="0"/>
+                    </a:p>
+                  </a:txBody>
+                  <a:tcPr/>
+                </a:tc>
+                <a:extLst>
+                  <a:ext uri="{0D108BD9-81ED-4DB2-BD59-A6C34878D82A}">
+                    <a16:rowId xmlns:a16="http://schemas.microsoft.com/office/drawing/2014/main" val="536020760"/>
+                  </a:ext>
+                </a:extLst>
+              </a:tr>
+              <a:tr h="370840">
+                <a:tc>
+                  <a:txBody>
+                    <a:bodyPr/>
+                    <a:lstStyle/>
+                    <a:p>
+                      <a:pPr algn="ctr"/>
+                      <a:r>
+                        <a:rPr lang="ro-RO" dirty="0"/>
+                        <a:t>Tipul de urgență</a:t>
+                      </a:r>
+                      <a:endParaRPr lang="en-US" dirty="0"/>
+                    </a:p>
+                  </a:txBody>
+                  <a:tcPr/>
+                </a:tc>
+                <a:tc>
+                  <a:txBody>
+                    <a:bodyPr/>
+                    <a:lstStyle/>
+                    <a:p>
+                      <a:pPr algn="ctr"/>
+                      <a:r>
+                        <a:rPr lang="ro-RO" dirty="0"/>
+                        <a:t>Urgent</a:t>
+                      </a:r>
+                      <a:endParaRPr lang="en-US" dirty="0"/>
+                    </a:p>
+                  </a:txBody>
+                  <a:tcPr/>
+                </a:tc>
+                <a:tc>
+                  <a:txBody>
+                    <a:bodyPr/>
+                    <a:lstStyle/>
+                    <a:p>
+                      <a:pPr algn="ctr"/>
+                      <a:r>
+                        <a:rPr lang="ro-RO" dirty="0"/>
+                        <a:t>Imediat</a:t>
+                      </a:r>
+                      <a:endParaRPr lang="en-US" dirty="0"/>
+                    </a:p>
+                  </a:txBody>
+                  <a:tcPr/>
+                </a:tc>
+                <a:extLst>
+                  <a:ext uri="{0D108BD9-81ED-4DB2-BD59-A6C34878D82A}">
+                    <a16:rowId xmlns:a16="http://schemas.microsoft.com/office/drawing/2014/main" val="1270211654"/>
+                  </a:ext>
+                </a:extLst>
+              </a:tr>
+              <a:tr h="370840">
+                <a:tc>
+                  <a:txBody>
+                    <a:bodyPr/>
+                    <a:lstStyle/>
+                    <a:p>
+                      <a:pPr algn="ctr"/>
+                      <a:r>
+                        <a:rPr lang="ro-RO" dirty="0"/>
+                        <a:t>Șanse de supraviețuire</a:t>
+                      </a:r>
+                      <a:endParaRPr lang="en-US" dirty="0"/>
+                    </a:p>
+                  </a:txBody>
+                  <a:tcPr/>
+                </a:tc>
+                <a:tc>
+                  <a:txBody>
+                    <a:bodyPr/>
+                    <a:lstStyle/>
+                    <a:p>
+                      <a:pPr algn="ctr"/>
+                      <a:r>
+                        <a:rPr lang="ro-RO" dirty="0"/>
+                        <a:t>50% - 100%</a:t>
+                      </a:r>
+                      <a:endParaRPr lang="en-US" dirty="0"/>
+                    </a:p>
+                  </a:txBody>
+                  <a:tcPr/>
+                </a:tc>
+                <a:tc>
+                  <a:txBody>
+                    <a:bodyPr/>
+                    <a:lstStyle/>
+                    <a:p>
+                      <a:pPr algn="ctr"/>
+                      <a:r>
+                        <a:rPr lang="ro-RO" dirty="0"/>
+                        <a:t>50% - 100%</a:t>
+                      </a:r>
+                      <a:endParaRPr lang="en-US" dirty="0"/>
+                    </a:p>
+                  </a:txBody>
+                  <a:tcPr/>
+                </a:tc>
+                <a:extLst>
+                  <a:ext uri="{0D108BD9-81ED-4DB2-BD59-A6C34878D82A}">
+                    <a16:rowId xmlns:a16="http://schemas.microsoft.com/office/drawing/2014/main" val="1281137788"/>
+                  </a:ext>
+                </a:extLst>
+              </a:tr>
+              <a:tr h="370840">
+                <a:tc>
+                  <a:txBody>
+                    <a:bodyPr/>
+                    <a:lstStyle/>
+                    <a:p>
+                      <a:pPr algn="ctr"/>
+                      <a:r>
+                        <a:rPr lang="ro-RO" dirty="0"/>
+                        <a:t>Vârsta</a:t>
+                      </a:r>
+                    </a:p>
+                  </a:txBody>
+                  <a:tcPr/>
+                </a:tc>
+                <a:tc>
+                  <a:txBody>
+                    <a:bodyPr/>
+                    <a:lstStyle/>
+                    <a:p>
+                      <a:pPr algn="ctr"/>
+                      <a:r>
+                        <a:rPr lang="ro-RO" dirty="0"/>
+                        <a:t>Între 10 – 20 de ani</a:t>
+                      </a:r>
+                      <a:endParaRPr lang="en-US" dirty="0"/>
+                    </a:p>
+                  </a:txBody>
+                  <a:tcPr/>
+                </a:tc>
+                <a:tc>
+                  <a:txBody>
+                    <a:bodyPr/>
+                    <a:lstStyle/>
+                    <a:p>
+                      <a:pPr algn="ctr"/>
+                      <a:r>
+                        <a:rPr lang="ro-RO" dirty="0"/>
+                        <a:t>Între 60 – 70 de ani</a:t>
+                      </a:r>
+                      <a:endParaRPr lang="en-US" dirty="0"/>
+                    </a:p>
+                  </a:txBody>
+                  <a:tcPr/>
+                </a:tc>
+                <a:extLst>
+                  <a:ext uri="{0D108BD9-81ED-4DB2-BD59-A6C34878D82A}">
+                    <a16:rowId xmlns:a16="http://schemas.microsoft.com/office/drawing/2014/main" val="2177760685"/>
+                  </a:ext>
+                </a:extLst>
+              </a:tr>
+              <a:tr h="370840">
+                <a:tc>
+                  <a:txBody>
+                    <a:bodyPr/>
+                    <a:lstStyle/>
+                    <a:p>
+                      <a:pPr algn="ctr"/>
+                      <a:r>
+                        <a:rPr lang="ro-RO" dirty="0"/>
+                        <a:t>Greutate</a:t>
+                      </a:r>
+                      <a:endParaRPr lang="en-US" dirty="0"/>
+                    </a:p>
+                  </a:txBody>
+                  <a:tcPr/>
+                </a:tc>
+                <a:tc>
+                  <a:txBody>
+                    <a:bodyPr/>
+                    <a:lstStyle/>
+                    <a:p>
+                      <a:pPr algn="ctr"/>
+                      <a:r>
+                        <a:rPr lang="ro-RO" dirty="0"/>
+                        <a:t>Sub 80 de kg</a:t>
+                      </a:r>
+                      <a:endParaRPr lang="en-US" dirty="0"/>
+                    </a:p>
+                  </a:txBody>
+                  <a:tcPr/>
+                </a:tc>
+                <a:tc>
+                  <a:txBody>
+                    <a:bodyPr/>
+                    <a:lstStyle/>
+                    <a:p>
+                      <a:pPr algn="ctr"/>
+                      <a:r>
+                        <a:rPr lang="ro-RO" dirty="0"/>
+                        <a:t>Sub 80 de kg</a:t>
+                      </a:r>
+                      <a:endParaRPr lang="en-US" dirty="0"/>
+                    </a:p>
+                  </a:txBody>
+                  <a:tcPr/>
+                </a:tc>
+                <a:extLst>
+                  <a:ext uri="{0D108BD9-81ED-4DB2-BD59-A6C34878D82A}">
+                    <a16:rowId xmlns:a16="http://schemas.microsoft.com/office/drawing/2014/main" val="805263726"/>
+                  </a:ext>
+                </a:extLst>
+              </a:tr>
+              <a:tr h="370840">
+                <a:tc>
+                  <a:txBody>
+                    <a:bodyPr/>
+                    <a:lstStyle/>
+                    <a:p>
+                      <a:pPr algn="ctr"/>
+                      <a:r>
+                        <a:rPr lang="ro-RO" dirty="0"/>
+                        <a:t>Înălțime</a:t>
+                      </a:r>
+                      <a:endParaRPr lang="en-US" dirty="0"/>
+                    </a:p>
+                  </a:txBody>
+                  <a:tcPr/>
+                </a:tc>
+                <a:tc>
+                  <a:txBody>
+                    <a:bodyPr/>
+                    <a:lstStyle/>
+                    <a:p>
+                      <a:pPr algn="ctr"/>
+                      <a:r>
+                        <a:rPr lang="ro-RO" dirty="0"/>
+                        <a:t>Între 1.20 – 1.80 m</a:t>
+                      </a:r>
+                      <a:endParaRPr lang="en-US" dirty="0"/>
+                    </a:p>
+                  </a:txBody>
+                  <a:tcPr/>
+                </a:tc>
+                <a:tc>
+                  <a:txBody>
+                    <a:bodyPr/>
+                    <a:lstStyle/>
+                    <a:p>
+                      <a:pPr algn="ctr"/>
+                      <a:r>
+                        <a:rPr lang="ro-RO" dirty="0"/>
+                        <a:t>Între 1.20 – 1.80 m</a:t>
+                      </a:r>
+                      <a:endParaRPr lang="en-US" dirty="0"/>
+                    </a:p>
+                  </a:txBody>
+                  <a:tcPr/>
+                </a:tc>
+                <a:extLst>
+                  <a:ext uri="{0D108BD9-81ED-4DB2-BD59-A6C34878D82A}">
+                    <a16:rowId xmlns:a16="http://schemas.microsoft.com/office/drawing/2014/main" val="2206437005"/>
+                  </a:ext>
+                </a:extLst>
+              </a:tr>
+              <a:tr h="370840">
+                <a:tc>
+                  <a:txBody>
+                    <a:bodyPr/>
+                    <a:lstStyle/>
+                    <a:p>
+                      <a:pPr algn="ctr"/>
+                      <a:r>
+                        <a:rPr lang="ro-RO" dirty="0"/>
+                        <a:t>Cantitatea de sânge pierdută</a:t>
+                      </a:r>
+                      <a:endParaRPr lang="en-US" dirty="0"/>
+                    </a:p>
+                  </a:txBody>
+                  <a:tcPr/>
+                </a:tc>
+                <a:tc>
+                  <a:txBody>
+                    <a:bodyPr/>
+                    <a:lstStyle/>
+                    <a:p>
+                      <a:pPr algn="ctr"/>
+                      <a:r>
+                        <a:rPr lang="ro-RO" dirty="0"/>
+                        <a:t>Între 1 – 2 litrii</a:t>
+                      </a:r>
+                      <a:endParaRPr lang="en-US" dirty="0"/>
+                    </a:p>
+                  </a:txBody>
+                  <a:tcPr/>
+                </a:tc>
+                <a:tc>
+                  <a:txBody>
+                    <a:bodyPr/>
+                    <a:lstStyle/>
+                    <a:p>
+                      <a:pPr algn="ctr"/>
+                      <a:r>
+                        <a:rPr lang="ro-RO" dirty="0"/>
+                        <a:t>Între 0 – 1 litrii</a:t>
+                      </a:r>
+                      <a:endParaRPr lang="en-US" dirty="0"/>
+                    </a:p>
+                  </a:txBody>
+                  <a:tcPr/>
+                </a:tc>
+                <a:extLst>
+                  <a:ext uri="{0D108BD9-81ED-4DB2-BD59-A6C34878D82A}">
+                    <a16:rowId xmlns:a16="http://schemas.microsoft.com/office/drawing/2014/main" val="1914412960"/>
+                  </a:ext>
+                </a:extLst>
+              </a:tr>
+            </a:tbl>
+          </a:graphicData>
+        </a:graphic>
+      </p:graphicFrame>
+      <p:sp>
+        <p:nvSpPr>
+          <p:cNvPr id="5" name="CasetăText 4">
+            <a:extLst>
+              <a:ext uri="{FF2B5EF4-FFF2-40B4-BE49-F238E27FC236}">
+                <a16:creationId xmlns:a16="http://schemas.microsoft.com/office/drawing/2014/main" id="{DC2D5014-E449-405D-B270-78CB3E6DB145}"/>
+              </a:ext>
+            </a:extLst>
+          </p:cNvPr>
+          <p:cNvSpPr txBox="1"/>
+          <p:nvPr/>
+        </p:nvSpPr>
+        <p:spPr>
+          <a:xfrm>
+            <a:off x="838200" y="4081548"/>
+            <a:ext cx="3775364" cy="923330"/>
+          </a:xfrm>
+          <a:prstGeom prst="rect">
+            <a:avLst/>
+          </a:prstGeom>
+          <a:noFill/>
+        </p:spPr>
+        <p:txBody>
+          <a:bodyPr wrap="square" rtlCol="0">
+            <a:spAutoFit/>
+          </a:bodyPr>
+          <a:lstStyle/>
+          <a:p>
+            <a:endParaRPr lang="en-US" dirty="0"/>
+          </a:p>
+          <a:p>
+            <a:r>
+              <a:rPr lang="en-US" dirty="0"/>
+              <a:t>• </a:t>
+            </a:r>
+            <a:r>
+              <a:rPr lang="en-US" dirty="0" err="1"/>
+              <a:t>Scorul</a:t>
+            </a:r>
+            <a:r>
+              <a:rPr lang="en-US" dirty="0"/>
+              <a:t> </a:t>
+            </a:r>
+            <a:r>
+              <a:rPr lang="en-US" dirty="0" err="1"/>
+              <a:t>pentru</a:t>
+            </a:r>
+            <a:r>
+              <a:rPr lang="en-US" dirty="0"/>
+              <a:t> </a:t>
+            </a:r>
+            <a:r>
+              <a:rPr lang="en-US" dirty="0" err="1"/>
+              <a:t>Pacientul</a:t>
+            </a:r>
+            <a:r>
+              <a:rPr lang="en-US" dirty="0"/>
+              <a:t> 1 </a:t>
+            </a:r>
+            <a:r>
+              <a:rPr lang="en-US" dirty="0" err="1"/>
+              <a:t>este</a:t>
+            </a:r>
+            <a:r>
+              <a:rPr lang="en-US" dirty="0"/>
+              <a:t> </a:t>
+            </a:r>
+            <a:r>
+              <a:rPr lang="ro-RO" dirty="0"/>
+              <a:t>630</a:t>
+            </a:r>
+            <a:r>
+              <a:rPr lang="en-US" dirty="0"/>
+              <a:t> </a:t>
+            </a:r>
+          </a:p>
+          <a:p>
+            <a:r>
+              <a:rPr lang="en-US" dirty="0"/>
+              <a:t>• </a:t>
+            </a:r>
+            <a:r>
+              <a:rPr lang="en-US" dirty="0" err="1"/>
+              <a:t>Scorul</a:t>
+            </a:r>
+            <a:r>
+              <a:rPr lang="en-US" dirty="0"/>
+              <a:t> </a:t>
+            </a:r>
+            <a:r>
+              <a:rPr lang="en-US" dirty="0" err="1"/>
+              <a:t>pentru</a:t>
+            </a:r>
+            <a:r>
+              <a:rPr lang="en-US" dirty="0"/>
+              <a:t> </a:t>
+            </a:r>
+            <a:r>
+              <a:rPr lang="en-US" dirty="0" err="1"/>
+              <a:t>Pacientul</a:t>
+            </a:r>
+            <a:r>
+              <a:rPr lang="en-US" dirty="0"/>
+              <a:t> 2 </a:t>
+            </a:r>
+            <a:r>
+              <a:rPr lang="en-US" dirty="0" err="1"/>
+              <a:t>este</a:t>
+            </a:r>
+            <a:r>
+              <a:rPr lang="en-US" dirty="0"/>
+              <a:t> </a:t>
+            </a:r>
+            <a:r>
+              <a:rPr lang="ro-RO" dirty="0"/>
+              <a:t>630</a:t>
+            </a:r>
+            <a:r>
+              <a:rPr lang="en-US" dirty="0"/>
+              <a:t> </a:t>
+            </a:r>
+          </a:p>
+        </p:txBody>
+      </p:sp>
+    </p:spTree>
+    <p:extLst>
+      <p:ext uri="{BB962C8B-B14F-4D97-AF65-F5344CB8AC3E}">
+        <p14:creationId xmlns:p14="http://schemas.microsoft.com/office/powerpoint/2010/main" val="4052725419"/>
+      </p:ext>
+    </p:extLst>
+  </p:cSld>
+  <p:clrMapOvr>
+    <a:masterClrMapping/>
+  </p:clrMapOvr>
+  <p:transition spd="slow">
+    <p:wipe/>
+  </p:transition>
+</p:sld>
+</file>
+
+<file path=ppt/slides/slide11.xml><?xml version="1.0" encoding="utf-8"?>
+<p:sld xmlns:a="http://schemas.openxmlformats.org/drawingml/2006/main" xmlns:r="http://schemas.openxmlformats.org/officeDocument/2006/relationships" xmlns:p="http://schemas.openxmlformats.org/presentationml/2006/main">
+  <p:cSld>
+    <p:spTree>
+      <p:nvGrpSpPr>
+        <p:cNvPr id="1" name=""/>
+        <p:cNvGrpSpPr/>
+        <p:nvPr/>
+      </p:nvGrpSpPr>
+      <p:grpSpPr>
+        <a:xfrm>
+          <a:off x="0" y="0"/>
+          <a:ext cx="0" cy="0"/>
+          <a:chOff x="0" y="0"/>
+          <a:chExt cx="0" cy="0"/>
+        </a:xfrm>
+      </p:grpSpPr>
+      <p:sp>
+        <p:nvSpPr>
+          <p:cNvPr id="2" name="Titlu 1">
+            <a:extLst>
+              <a:ext uri="{FF2B5EF4-FFF2-40B4-BE49-F238E27FC236}">
+                <a16:creationId xmlns:a16="http://schemas.microsoft.com/office/drawing/2014/main" id="{708CE915-170C-4CFD-AD08-AA75D1D81667}"/>
+              </a:ext>
+            </a:extLst>
+          </p:cNvPr>
+          <p:cNvSpPr>
+            <a:spLocks noGrp="1"/>
+          </p:cNvSpPr>
+          <p:nvPr>
+            <p:ph type="title"/>
+          </p:nvPr>
+        </p:nvSpPr>
+        <p:spPr/>
+        <p:txBody>
+          <a:bodyPr/>
+          <a:lstStyle/>
+          <a:p>
+            <a:r>
+              <a:rPr lang="ro-RO" dirty="0" err="1"/>
+              <a:t>Demo</a:t>
+            </a:r>
+            <a:endParaRPr lang="en-US" dirty="0"/>
+          </a:p>
+        </p:txBody>
+      </p:sp>
+      <p:sp>
+        <p:nvSpPr>
+          <p:cNvPr id="3" name="Substituent conținut 2">
+            <a:extLst>
+              <a:ext uri="{FF2B5EF4-FFF2-40B4-BE49-F238E27FC236}">
+                <a16:creationId xmlns:a16="http://schemas.microsoft.com/office/drawing/2014/main" id="{CB2A70B1-BE26-4EA3-9FD7-DFCA56202C10}"/>
+              </a:ext>
+            </a:extLst>
+          </p:cNvPr>
+          <p:cNvSpPr>
+            <a:spLocks noGrp="1"/>
+          </p:cNvSpPr>
+          <p:nvPr>
+            <p:ph idx="1"/>
+          </p:nvPr>
+        </p:nvSpPr>
+        <p:spPr/>
+        <p:txBody>
+          <a:bodyPr/>
+          <a:lstStyle/>
+          <a:p>
+            <a:endParaRPr lang="en-US"/>
+          </a:p>
+        </p:txBody>
+      </p:sp>
+    </p:spTree>
+    <p:extLst>
+      <p:ext uri="{BB962C8B-B14F-4D97-AF65-F5344CB8AC3E}">
+        <p14:creationId xmlns:p14="http://schemas.microsoft.com/office/powerpoint/2010/main" val="3385706030"/>
+      </p:ext>
+    </p:extLst>
+  </p:cSld>
+  <p:clrMapOvr>
+    <a:masterClrMapping/>
+  </p:clrMapOvr>
+  <p:transition spd="slow">
+    <p:wipe/>
+  </p:transition>
+</p:sld>
+</file>
+
+<file path=ppt/slides/slide12.xml><?xml version="1.0" encoding="utf-8"?>
+<p:sld xmlns:a="http://schemas.openxmlformats.org/drawingml/2006/main" xmlns:r="http://schemas.openxmlformats.org/officeDocument/2006/relationships" xmlns:p="http://schemas.openxmlformats.org/presentationml/2006/main">
+  <p:cSld>
+    <p:spTree>
+      <p:nvGrpSpPr>
+        <p:cNvPr id="1" name=""/>
+        <p:cNvGrpSpPr/>
+        <p:nvPr/>
+      </p:nvGrpSpPr>
+      <p:grpSpPr>
+        <a:xfrm>
+          <a:off x="0" y="0"/>
+          <a:ext cx="0" cy="0"/>
+          <a:chOff x="0" y="0"/>
+          <a:chExt cx="0" cy="0"/>
+        </a:xfrm>
+      </p:grpSpPr>
+      <p:sp>
+        <p:nvSpPr>
+          <p:cNvPr id="2" name="Titlu 1">
+            <a:extLst>
+              <a:ext uri="{FF2B5EF4-FFF2-40B4-BE49-F238E27FC236}">
+                <a16:creationId xmlns:a16="http://schemas.microsoft.com/office/drawing/2014/main" id="{DF534701-25A8-41BC-B894-E858A6723BCC}"/>
+              </a:ext>
+            </a:extLst>
+          </p:cNvPr>
+          <p:cNvSpPr>
+            <a:spLocks noGrp="1"/>
+          </p:cNvSpPr>
+          <p:nvPr>
+            <p:ph type="title"/>
+          </p:nvPr>
+        </p:nvSpPr>
+        <p:spPr/>
+        <p:txBody>
+          <a:bodyPr/>
+          <a:lstStyle/>
+          <a:p>
+            <a:r>
+              <a:rPr lang="ro-RO" dirty="0"/>
+              <a:t>Concluzii</a:t>
+            </a:r>
+            <a:endParaRPr lang="en-US" dirty="0"/>
+          </a:p>
+        </p:txBody>
+      </p:sp>
+      <p:sp>
+        <p:nvSpPr>
+          <p:cNvPr id="3" name="Substituent conținut 2">
+            <a:extLst>
+              <a:ext uri="{FF2B5EF4-FFF2-40B4-BE49-F238E27FC236}">
+                <a16:creationId xmlns:a16="http://schemas.microsoft.com/office/drawing/2014/main" id="{233079B7-516C-409E-B41D-236F53D878F7}"/>
+              </a:ext>
+            </a:extLst>
+          </p:cNvPr>
+          <p:cNvSpPr>
+            <a:spLocks noGrp="1"/>
+          </p:cNvSpPr>
+          <p:nvPr>
+            <p:ph idx="1"/>
+          </p:nvPr>
+        </p:nvSpPr>
+        <p:spPr/>
+        <p:txBody>
+          <a:bodyPr/>
+          <a:lstStyle/>
+          <a:p>
+            <a:pPr algn="just"/>
+            <a:r>
+              <a:rPr lang="ro-RO" dirty="0"/>
+              <a:t>Aplicația vine în ajutorul medicilor prin interfața grafică prietenoasă și prin algoritmul de decizie.</a:t>
+            </a:r>
+          </a:p>
+          <a:p>
+            <a:pPr algn="just"/>
+            <a:endParaRPr lang="ro-RO" dirty="0"/>
+          </a:p>
+          <a:p>
+            <a:pPr algn="just"/>
+            <a:r>
+              <a:rPr lang="ro-RO" dirty="0"/>
+              <a:t>Aplicația ar putea fi îmbunătățită prin antrenarea unei rețele neuronale pe baza tuturor deciziilor luate cu ajutorul algoritmului, dar și prin integrarea acesteia cu platformele Android sau </a:t>
+            </a:r>
+            <a:r>
+              <a:rPr lang="ro-RO" dirty="0" err="1"/>
+              <a:t>iOS</a:t>
+            </a:r>
+            <a:r>
+              <a:rPr lang="ro-RO" dirty="0"/>
+              <a:t>.</a:t>
+            </a:r>
+            <a:endParaRPr lang="en-US" dirty="0"/>
+          </a:p>
+          <a:p>
+            <a:pPr marL="0" indent="0" algn="just">
+              <a:buNone/>
+            </a:pPr>
+            <a:endParaRPr lang="en-US" dirty="0"/>
+          </a:p>
+        </p:txBody>
+      </p:sp>
+    </p:spTree>
+    <p:extLst>
+      <p:ext uri="{BB962C8B-B14F-4D97-AF65-F5344CB8AC3E}">
+        <p14:creationId xmlns:p14="http://schemas.microsoft.com/office/powerpoint/2010/main" val="1248156542"/>
+      </p:ext>
+    </p:extLst>
+  </p:cSld>
+  <p:clrMapOvr>
+    <a:masterClrMapping/>
+  </p:clrMapOvr>
+  <p:transition spd="slow">
+    <p:wipe/>
+  </p:transition>
+</p:sld>
+</file>
+
+<file path=ppt/slides/slide13.xml><?xml version="1.0" encoding="utf-8"?>
+<p:sld xmlns:a="http://schemas.openxmlformats.org/drawingml/2006/main" xmlns:r="http://schemas.openxmlformats.org/officeDocument/2006/relationships" xmlns:p="http://schemas.openxmlformats.org/presentationml/2006/main">
+  <p:cSld>
+    <p:spTree>
+      <p:nvGrpSpPr>
+        <p:cNvPr id="1" name=""/>
+        <p:cNvGrpSpPr/>
+        <p:nvPr/>
+      </p:nvGrpSpPr>
+      <p:grpSpPr>
+        <a:xfrm>
+          <a:off x="0" y="0"/>
+          <a:ext cx="0" cy="0"/>
+          <a:chOff x="0" y="0"/>
+          <a:chExt cx="0" cy="0"/>
+        </a:xfrm>
+      </p:grpSpPr>
+      <p:sp>
+        <p:nvSpPr>
+          <p:cNvPr id="2" name="Titlu 1">
+            <a:extLst>
+              <a:ext uri="{FF2B5EF4-FFF2-40B4-BE49-F238E27FC236}">
+                <a16:creationId xmlns:a16="http://schemas.microsoft.com/office/drawing/2014/main" id="{5C645BD5-BAA9-44D3-BA1F-914FCAC5BDCD}"/>
+              </a:ext>
+            </a:extLst>
+          </p:cNvPr>
+          <p:cNvSpPr>
+            <a:spLocks noGrp="1"/>
+          </p:cNvSpPr>
+          <p:nvPr>
+            <p:ph type="title"/>
+          </p:nvPr>
+        </p:nvSpPr>
+        <p:spPr/>
+        <p:txBody>
+          <a:bodyPr/>
+          <a:lstStyle/>
+          <a:p>
+            <a:r>
+              <a:rPr lang="ro-RO" dirty="0"/>
+              <a:t>Întrebări</a:t>
+            </a:r>
+            <a:endParaRPr lang="en-US" dirty="0"/>
+          </a:p>
+        </p:txBody>
+      </p:sp>
+      <p:sp>
+        <p:nvSpPr>
+          <p:cNvPr id="3" name="Substituent conținut 2">
+            <a:extLst>
+              <a:ext uri="{FF2B5EF4-FFF2-40B4-BE49-F238E27FC236}">
+                <a16:creationId xmlns:a16="http://schemas.microsoft.com/office/drawing/2014/main" id="{9205650A-FA3F-44E1-BF9F-20790474FD83}"/>
+              </a:ext>
+            </a:extLst>
+          </p:cNvPr>
+          <p:cNvSpPr>
+            <a:spLocks noGrp="1"/>
+          </p:cNvSpPr>
+          <p:nvPr>
+            <p:ph idx="1"/>
+          </p:nvPr>
+        </p:nvSpPr>
+        <p:spPr/>
+        <p:txBody>
+          <a:bodyPr/>
+          <a:lstStyle/>
+          <a:p>
+            <a:endParaRPr lang="ro-RO" dirty="0"/>
+          </a:p>
+          <a:p>
+            <a:endParaRPr lang="ro-RO" dirty="0"/>
+          </a:p>
+          <a:p>
+            <a:pPr marL="0" indent="0">
+              <a:buNone/>
+            </a:pPr>
+            <a:endParaRPr lang="ro-RO" dirty="0"/>
+          </a:p>
+          <a:p>
+            <a:r>
+              <a:rPr lang="en-US" dirty="0"/>
+              <a:t>https://github.com/ramongabor95/Licenta/tree/master</a:t>
+            </a:r>
+          </a:p>
+        </p:txBody>
+      </p:sp>
+    </p:spTree>
+    <p:extLst>
+      <p:ext uri="{BB962C8B-B14F-4D97-AF65-F5344CB8AC3E}">
+        <p14:creationId xmlns:p14="http://schemas.microsoft.com/office/powerpoint/2010/main" val="1682421755"/>
+      </p:ext>
+    </p:extLst>
+  </p:cSld>
+  <p:clrMapOvr>
+    <a:masterClrMapping/>
+  </p:clrMapOvr>
+  <p:transition spd="slow">
+    <p:wipe/>
+  </p:transition>
+</p:sld>
+</file>
+
+<file path=ppt/slides/slide2.xml><?xml version="1.0" encoding="utf-8"?>
+<p:sld xmlns:a="http://schemas.openxmlformats.org/drawingml/2006/main" xmlns:r="http://schemas.openxmlformats.org/officeDocument/2006/relationships" xmlns:p="http://schemas.openxmlformats.org/presentationml/2006/main">
+  <p:cSld>
+    <p:spTree>
+      <p:nvGrpSpPr>
+        <p:cNvPr id="1" name=""/>
+        <p:cNvGrpSpPr/>
+        <p:nvPr/>
+      </p:nvGrpSpPr>
+      <p:grpSpPr>
+        <a:xfrm>
+          <a:off x="0" y="0"/>
+          <a:ext cx="0" cy="0"/>
+          <a:chOff x="0" y="0"/>
+          <a:chExt cx="0" cy="0"/>
+        </a:xfrm>
+      </p:grpSpPr>
+      <p:sp>
+        <p:nvSpPr>
+          <p:cNvPr id="2" name="Titlu 1">
+            <a:extLst>
+              <a:ext uri="{FF2B5EF4-FFF2-40B4-BE49-F238E27FC236}">
+                <a16:creationId xmlns:a16="http://schemas.microsoft.com/office/drawing/2014/main" id="{BD4309C6-F756-4DC3-98BB-387A4F6BB00A}"/>
+              </a:ext>
+            </a:extLst>
+          </p:cNvPr>
+          <p:cNvSpPr>
+            <a:spLocks noGrp="1"/>
+          </p:cNvSpPr>
+          <p:nvPr>
+            <p:ph type="title"/>
+          </p:nvPr>
+        </p:nvSpPr>
+        <p:spPr/>
+        <p:txBody>
+          <a:bodyPr/>
+          <a:lstStyle/>
+          <a:p>
+            <a:r>
+              <a:rPr lang="ro-RO" dirty="0" err="1"/>
+              <a:t>Blood</a:t>
+            </a:r>
+            <a:r>
+              <a:rPr lang="ro-RO" dirty="0"/>
+              <a:t> Bank Management</a:t>
+            </a:r>
+            <a:endParaRPr lang="en-US" dirty="0"/>
+          </a:p>
+        </p:txBody>
+      </p:sp>
+      <p:sp>
+        <p:nvSpPr>
+          <p:cNvPr id="3" name="Substituent conținut 2">
+            <a:extLst>
+              <a:ext uri="{FF2B5EF4-FFF2-40B4-BE49-F238E27FC236}">
+                <a16:creationId xmlns:a16="http://schemas.microsoft.com/office/drawing/2014/main" id="{8BDEBCAC-9DC8-4C79-861B-B13DA7C2184B}"/>
+              </a:ext>
+            </a:extLst>
+          </p:cNvPr>
+          <p:cNvSpPr>
+            <a:spLocks noGrp="1"/>
+          </p:cNvSpPr>
+          <p:nvPr>
+            <p:ph idx="1"/>
+          </p:nvPr>
+        </p:nvSpPr>
+        <p:spPr/>
+        <p:txBody>
+          <a:bodyPr/>
+          <a:lstStyle/>
+          <a:p>
+            <a:r>
+              <a:rPr lang="ro-RO" dirty="0"/>
+              <a:t>Situația actuală</a:t>
+            </a:r>
+            <a:endParaRPr lang="en-US" dirty="0"/>
+          </a:p>
+          <a:p>
+            <a:pPr marL="0" indent="0" algn="just">
+              <a:buNone/>
+            </a:pPr>
+            <a:r>
+              <a:rPr lang="en-US" dirty="0"/>
+              <a:t>	</a:t>
+            </a:r>
+            <a:r>
+              <a:rPr lang="ro-RO" sz="2000" dirty="0"/>
+              <a:t>1. </a:t>
+            </a:r>
+            <a:r>
+              <a:rPr lang="en-US" sz="2000" dirty="0" err="1"/>
+              <a:t>Decizia</a:t>
+            </a:r>
+            <a:r>
+              <a:rPr lang="ro-RO" sz="2000" dirty="0"/>
+              <a:t> este</a:t>
+            </a:r>
+            <a:r>
+              <a:rPr lang="en-US" sz="2000" dirty="0"/>
+              <a:t> </a:t>
+            </a:r>
+            <a:r>
+              <a:rPr lang="ro-RO" sz="2000" dirty="0"/>
+              <a:t>subiectivă în cadrul transfuziilor de sânge;</a:t>
+            </a:r>
+          </a:p>
+          <a:p>
+            <a:pPr marL="0" indent="0" algn="just">
+              <a:buNone/>
+            </a:pPr>
+            <a:r>
+              <a:rPr lang="ro-RO" sz="2000" dirty="0"/>
+              <a:t>	2. Dificultatea de adaptare în cazul programelor cu interfețe complicate;</a:t>
+            </a:r>
+          </a:p>
+          <a:p>
+            <a:pPr marL="0" indent="0" algn="just">
+              <a:buNone/>
+            </a:pPr>
+            <a:endParaRPr lang="ro-RO" sz="2000" dirty="0"/>
+          </a:p>
+          <a:p>
+            <a:pPr marL="0" indent="0" algn="just">
+              <a:buNone/>
+            </a:pPr>
+            <a:endParaRPr lang="ro-RO" sz="2000" dirty="0"/>
+          </a:p>
+          <a:p>
+            <a:r>
+              <a:rPr lang="ro-RO" dirty="0"/>
+              <a:t>Exemple</a:t>
+            </a:r>
+          </a:p>
+        </p:txBody>
+      </p:sp>
+    </p:spTree>
+    <p:extLst>
+      <p:ext uri="{BB962C8B-B14F-4D97-AF65-F5344CB8AC3E}">
+        <p14:creationId xmlns:p14="http://schemas.microsoft.com/office/powerpoint/2010/main" val="3131291576"/>
+      </p:ext>
+    </p:extLst>
+  </p:cSld>
+  <p:clrMapOvr>
+    <a:masterClrMapping/>
+  </p:clrMapOvr>
+  <p:transition spd="slow">
+    <p:wipe/>
+  </p:transition>
+</p:sld>
+</file>
+
+<file path=ppt/slides/slide3.xml><?xml version="1.0" encoding="utf-8"?>
+<p:sld xmlns:a="http://schemas.openxmlformats.org/drawingml/2006/main" xmlns:r="http://schemas.openxmlformats.org/officeDocument/2006/relationships" xmlns:p="http://schemas.openxmlformats.org/presentationml/2006/main">
+  <p:cSld>
+    <p:spTree>
+      <p:nvGrpSpPr>
+        <p:cNvPr id="1" name=""/>
+        <p:cNvGrpSpPr/>
+        <p:nvPr/>
+      </p:nvGrpSpPr>
+      <p:grpSpPr>
+        <a:xfrm>
+          <a:off x="0" y="0"/>
+          <a:ext cx="0" cy="0"/>
+          <a:chOff x="0" y="0"/>
+          <a:chExt cx="0" cy="0"/>
+        </a:xfrm>
+      </p:grpSpPr>
+      <p:sp>
+        <p:nvSpPr>
+          <p:cNvPr id="3" name="Substituent conținut 2">
+            <a:extLst>
+              <a:ext uri="{FF2B5EF4-FFF2-40B4-BE49-F238E27FC236}">
+                <a16:creationId xmlns:a16="http://schemas.microsoft.com/office/drawing/2014/main" id="{C32DBC4B-88B6-4FB4-B912-97F4136134B9}"/>
+              </a:ext>
+            </a:extLst>
+          </p:cNvPr>
+          <p:cNvSpPr>
+            <a:spLocks noGrp="1"/>
+          </p:cNvSpPr>
+          <p:nvPr>
+            <p:ph idx="1"/>
+          </p:nvPr>
+        </p:nvSpPr>
+        <p:spPr>
+          <a:xfrm>
+            <a:off x="838200" y="1071938"/>
+            <a:ext cx="10515600" cy="2535786"/>
+          </a:xfrm>
+        </p:spPr>
+        <p:txBody>
+          <a:bodyPr/>
+          <a:lstStyle/>
+          <a:p>
+            <a:pPr marL="0" indent="0">
+              <a:buNone/>
+            </a:pPr>
+            <a:r>
+              <a:rPr lang="ro-RO" dirty="0"/>
+              <a:t>Decizia în cadrul transfuziilor de sânge</a:t>
+            </a:r>
+          </a:p>
+          <a:p>
+            <a:pPr marL="0" indent="0">
+              <a:buNone/>
+            </a:pPr>
+            <a:endParaRPr lang="ro-RO" dirty="0"/>
+          </a:p>
+          <a:p>
+            <a:pPr marL="457200" lvl="1" indent="0" algn="just">
+              <a:buNone/>
+            </a:pPr>
+            <a:r>
+              <a:rPr lang="ro-RO" sz="2000" dirty="0"/>
+              <a:t>	- Lipsa de materie primă suficientă în băncile de sânge</a:t>
+            </a:r>
+          </a:p>
+          <a:p>
+            <a:pPr marL="457200" lvl="1" indent="0" algn="just">
+              <a:buNone/>
+            </a:pPr>
+            <a:r>
+              <a:rPr lang="ro-RO" sz="2000" dirty="0"/>
+              <a:t>	- Decizia subiectivă, bazată pe sentimente nu este întotdeauna cea corectă</a:t>
+            </a:r>
+          </a:p>
+        </p:txBody>
+      </p:sp>
+      <p:sp>
+        <p:nvSpPr>
+          <p:cNvPr id="4" name="CasetăText 3">
+            <a:extLst>
+              <a:ext uri="{FF2B5EF4-FFF2-40B4-BE49-F238E27FC236}">
+                <a16:creationId xmlns:a16="http://schemas.microsoft.com/office/drawing/2014/main" id="{5EDFC08B-C5C4-4EFA-819F-193E955078C2}"/>
+              </a:ext>
+            </a:extLst>
+          </p:cNvPr>
+          <p:cNvSpPr txBox="1"/>
+          <p:nvPr/>
+        </p:nvSpPr>
+        <p:spPr>
+          <a:xfrm>
+            <a:off x="798022" y="3532909"/>
+            <a:ext cx="10598727" cy="1692771"/>
+          </a:xfrm>
+          <a:prstGeom prst="rect">
+            <a:avLst/>
+          </a:prstGeom>
+          <a:noFill/>
+        </p:spPr>
+        <p:txBody>
+          <a:bodyPr wrap="square" rtlCol="0">
+            <a:spAutoFit/>
+          </a:bodyPr>
+          <a:lstStyle/>
+          <a:p>
+            <a:pPr algn="just"/>
+            <a:r>
+              <a:rPr lang="ro-RO" sz="2800" dirty="0"/>
+              <a:t>Soluții</a:t>
+            </a:r>
+          </a:p>
+          <a:p>
+            <a:pPr marL="457200" indent="-457200" algn="just">
+              <a:buFont typeface="Arial" panose="020B0604020202020204" pitchFamily="34" charset="0"/>
+              <a:buChar char="•"/>
+            </a:pPr>
+            <a:endParaRPr lang="ro-RO" sz="2800" dirty="0"/>
+          </a:p>
+          <a:p>
+            <a:pPr algn="just"/>
+            <a:r>
+              <a:rPr lang="ro-RO" sz="2800" dirty="0"/>
+              <a:t>	</a:t>
+            </a:r>
+            <a:r>
+              <a:rPr lang="ro-RO" sz="2000" dirty="0"/>
+              <a:t>- Ușurință în utilizarea unei aplicații de management de date</a:t>
+            </a:r>
+          </a:p>
+          <a:p>
+            <a:pPr algn="just"/>
+            <a:r>
+              <a:rPr lang="ro-RO" sz="2000" dirty="0"/>
+              <a:t>	- Înlocuirea părții umane în luarea unei decizii</a:t>
+            </a:r>
+            <a:endParaRPr lang="en-US" sz="2800" dirty="0"/>
+          </a:p>
+        </p:txBody>
+      </p:sp>
+    </p:spTree>
+    <p:extLst>
+      <p:ext uri="{BB962C8B-B14F-4D97-AF65-F5344CB8AC3E}">
+        <p14:creationId xmlns:p14="http://schemas.microsoft.com/office/powerpoint/2010/main" val="2166936402"/>
+      </p:ext>
+    </p:extLst>
+  </p:cSld>
+  <p:clrMapOvr>
+    <a:masterClrMapping/>
+  </p:clrMapOvr>
+  <p:transition spd="slow">
+    <p:wipe/>
+  </p:transition>
+  <p:timing>
+    <p:tnLst>
+      <p:par>
+        <p:cTn id="1" dur="indefinite" restart="never" nodeType="tmRoot">
+          <p:childTnLst>
+            <p:seq concurrent="1" nextAc="seek">
+              <p:cTn id="2" dur="indefinite" nodeType="mainSeq">
+                <p:childTnLst>
+                  <p:par>
+                    <p:cTn id="3" fill="hold">
+                      <p:stCondLst>
+                        <p:cond delay="indefinite"/>
+                      </p:stCondLst>
+                      <p:childTnLst>
+                        <p:par>
+                          <p:cTn id="4" fill="hold">
+                            <p:stCondLst>
+                              <p:cond delay="0"/>
+                            </p:stCondLst>
+                            <p:childTnLst>
+                              <p:par>
+                                <p:cTn id="5" presetID="6" presetClass="entr" presetSubtype="16" fill="hold" grpId="0" nodeType="clickEffect">
+                                  <p:stCondLst>
+                                    <p:cond delay="0"/>
+                                  </p:stCondLst>
+                                  <p:childTnLst>
+                                    <p:set>
+                                      <p:cBhvr>
+                                        <p:cTn id="6" dur="1" fill="hold">
+                                          <p:stCondLst>
+                                            <p:cond delay="0"/>
+                                          </p:stCondLst>
+                                        </p:cTn>
+                                        <p:tgtEl>
+                                          <p:spTgt spid="3">
+                                            <p:txEl>
+                                              <p:pRg st="0" end="0"/>
+                                            </p:txEl>
+                                          </p:spTgt>
+                                        </p:tgtEl>
+                                        <p:attrNameLst>
+                                          <p:attrName>style.visibility</p:attrName>
+                                        </p:attrNameLst>
+                                      </p:cBhvr>
+                                      <p:to>
+                                        <p:strVal val="visible"/>
+                                      </p:to>
+                                    </p:set>
+                                    <p:animEffect transition="in" filter="circle(in)">
+                                      <p:cBhvr>
+                                        <p:cTn id="7" dur="2000"/>
+                                        <p:tgtEl>
+                                          <p:spTgt spid="3">
+                                            <p:txEl>
+                                              <p:pRg st="0" end="0"/>
+                                            </p:txEl>
+                                          </p:spTgt>
+                                        </p:tgtEl>
+                                      </p:cBhvr>
+                                    </p:animEffect>
+                                  </p:childTnLst>
+                                </p:cTn>
+                              </p:par>
+                              <p:par>
+                                <p:cTn id="8" presetID="6" presetClass="entr" presetSubtype="16" fill="hold" grpId="0" nodeType="withEffect">
+                                  <p:stCondLst>
+                                    <p:cond delay="0"/>
+                                  </p:stCondLst>
+                                  <p:childTnLst>
+                                    <p:set>
+                                      <p:cBhvr>
+                                        <p:cTn id="9" dur="1" fill="hold">
+                                          <p:stCondLst>
+                                            <p:cond delay="0"/>
+                                          </p:stCondLst>
+                                        </p:cTn>
+                                        <p:tgtEl>
+                                          <p:spTgt spid="3">
+                                            <p:txEl>
+                                              <p:pRg st="2" end="2"/>
+                                            </p:txEl>
+                                          </p:spTgt>
+                                        </p:tgtEl>
+                                        <p:attrNameLst>
+                                          <p:attrName>style.visibility</p:attrName>
+                                        </p:attrNameLst>
+                                      </p:cBhvr>
+                                      <p:to>
+                                        <p:strVal val="visible"/>
+                                      </p:to>
+                                    </p:set>
+                                    <p:animEffect transition="in" filter="circle(in)">
+                                      <p:cBhvr>
+                                        <p:cTn id="10" dur="2000"/>
+                                        <p:tgtEl>
+                                          <p:spTgt spid="3">
+                                            <p:txEl>
+                                              <p:pRg st="2" end="2"/>
+                                            </p:txEl>
+                                          </p:spTgt>
+                                        </p:tgtEl>
+                                      </p:cBhvr>
+                                    </p:animEffect>
+                                  </p:childTnLst>
+                                </p:cTn>
+                              </p:par>
+                              <p:par>
+                                <p:cTn id="11" presetID="6" presetClass="entr" presetSubtype="16" fill="hold" grpId="0" nodeType="withEffect">
+                                  <p:stCondLst>
+                                    <p:cond delay="0"/>
+                                  </p:stCondLst>
+                                  <p:childTnLst>
+                                    <p:set>
+                                      <p:cBhvr>
+                                        <p:cTn id="12" dur="1" fill="hold">
+                                          <p:stCondLst>
+                                            <p:cond delay="0"/>
+                                          </p:stCondLst>
+                                        </p:cTn>
+                                        <p:tgtEl>
+                                          <p:spTgt spid="3">
+                                            <p:txEl>
+                                              <p:pRg st="3" end="3"/>
+                                            </p:txEl>
+                                          </p:spTgt>
+                                        </p:tgtEl>
+                                        <p:attrNameLst>
+                                          <p:attrName>style.visibility</p:attrName>
+                                        </p:attrNameLst>
+                                      </p:cBhvr>
+                                      <p:to>
+                                        <p:strVal val="visible"/>
+                                      </p:to>
+                                    </p:set>
+                                    <p:animEffect transition="in" filter="circle(in)">
+                                      <p:cBhvr>
+                                        <p:cTn id="13" dur="2000"/>
+                                        <p:tgtEl>
+                                          <p:spTgt spid="3">
+                                            <p:txEl>
+                                              <p:pRg st="3" end="3"/>
+                                            </p:txEl>
+                                          </p:spTgt>
+                                        </p:tgtEl>
+                                      </p:cBhvr>
+                                    </p:animEffect>
+                                  </p:childTnLst>
+                                </p:cTn>
+                              </p:par>
+                            </p:childTnLst>
+                          </p:cTn>
+                        </p:par>
+                      </p:childTnLst>
+                    </p:cTn>
+                  </p:par>
+                  <p:par>
+                    <p:cTn id="14" fill="hold">
+                      <p:stCondLst>
+                        <p:cond delay="indefinite"/>
+                      </p:stCondLst>
+                      <p:childTnLst>
+                        <p:par>
+                          <p:cTn id="15" fill="hold">
+                            <p:stCondLst>
+                              <p:cond delay="0"/>
+                            </p:stCondLst>
+                            <p:childTnLst>
+                              <p:par>
+                                <p:cTn id="16" presetID="6" presetClass="entr" presetSubtype="16" fill="hold" grpId="0" nodeType="clickEffect">
+                                  <p:stCondLst>
+                                    <p:cond delay="0"/>
+                                  </p:stCondLst>
+                                  <p:childTnLst>
+                                    <p:set>
+                                      <p:cBhvr>
+                                        <p:cTn id="17" dur="1" fill="hold">
+                                          <p:stCondLst>
+                                            <p:cond delay="0"/>
+                                          </p:stCondLst>
+                                        </p:cTn>
+                                        <p:tgtEl>
+                                          <p:spTgt spid="4"/>
+                                        </p:tgtEl>
+                                        <p:attrNameLst>
+                                          <p:attrName>style.visibility</p:attrName>
+                                        </p:attrNameLst>
+                                      </p:cBhvr>
+                                      <p:to>
+                                        <p:strVal val="visible"/>
+                                      </p:to>
+                                    </p:set>
+                                    <p:animEffect transition="in" filter="circle(in)">
+                                      <p:cBhvr>
+                                        <p:cTn id="18" dur="2000"/>
+                                        <p:tgtEl>
+                                          <p:spTgt spid="4"/>
+                                        </p:tgtEl>
+                                      </p:cBhvr>
+                                    </p:animEffect>
+                                  </p:childTnLst>
+                                </p:cTn>
+                              </p:par>
+                            </p:childTnLst>
+                          </p:cTn>
+                        </p:par>
+                      </p:childTnLst>
+                    </p:cTn>
+                  </p:par>
+                </p:childTnLst>
+              </p:cTn>
+              <p:prevCondLst>
+                <p:cond evt="onPrev" delay="0">
+                  <p:tgtEl>
+                    <p:sldTgt/>
+                  </p:tgtEl>
+                </p:cond>
+              </p:prevCondLst>
+              <p:nextCondLst>
+                <p:cond evt="onNext" delay="0">
+                  <p:tgtEl>
+                    <p:sldTgt/>
+                  </p:tgtEl>
+                </p:cond>
+              </p:nextCondLst>
+            </p:seq>
+          </p:childTnLst>
+        </p:cTn>
+      </p:par>
+    </p:tnLst>
+    <p:bldLst>
+      <p:bldP spid="3" grpId="0" build="p"/>
+      <p:bldP spid="4" grpId="0"/>
+    </p:bldLst>
+  </p:timing>
+</p:sld>
+</file>
+
+<file path=ppt/slides/slide4.xml><?xml version="1.0" encoding="utf-8"?>
+<p:sld xmlns:a="http://schemas.openxmlformats.org/drawingml/2006/main" xmlns:r="http://schemas.openxmlformats.org/officeDocument/2006/relationships" xmlns:p="http://schemas.openxmlformats.org/presentationml/2006/main">
+  <p:cSld>
+    <p:spTree>
+      <p:nvGrpSpPr>
+        <p:cNvPr id="1" name=""/>
+        <p:cNvGrpSpPr/>
+        <p:nvPr/>
+      </p:nvGrpSpPr>
+      <p:grpSpPr>
+        <a:xfrm>
+          <a:off x="0" y="0"/>
+          <a:ext cx="0" cy="0"/>
+          <a:chOff x="0" y="0"/>
+          <a:chExt cx="0" cy="0"/>
+        </a:xfrm>
+      </p:grpSpPr>
+      <p:sp>
+        <p:nvSpPr>
+          <p:cNvPr id="3" name="Substituent conținut 2">
+            <a:extLst>
+              <a:ext uri="{FF2B5EF4-FFF2-40B4-BE49-F238E27FC236}">
+                <a16:creationId xmlns:a16="http://schemas.microsoft.com/office/drawing/2014/main" id="{D9DE17CC-C47F-4CCF-BA7C-D80DB9E52D31}"/>
+              </a:ext>
+            </a:extLst>
+          </p:cNvPr>
+          <p:cNvSpPr>
+            <a:spLocks noGrp="1"/>
+          </p:cNvSpPr>
+          <p:nvPr>
+            <p:ph idx="1"/>
+          </p:nvPr>
+        </p:nvSpPr>
+        <p:spPr>
+          <a:xfrm>
+            <a:off x="838200" y="528839"/>
+            <a:ext cx="10515600" cy="4351338"/>
+          </a:xfrm>
+        </p:spPr>
+        <p:txBody>
+          <a:bodyPr/>
+          <a:lstStyle/>
+          <a:p>
+            <a:pPr marL="0" indent="0">
+              <a:buNone/>
+            </a:pPr>
+            <a:r>
+              <a:rPr lang="ro-RO" dirty="0"/>
+              <a:t>Contribuții</a:t>
+            </a:r>
+          </a:p>
+          <a:p>
+            <a:pPr marL="0" indent="0">
+              <a:buNone/>
+            </a:pPr>
+            <a:endParaRPr lang="ro-RO" dirty="0"/>
+          </a:p>
+          <a:p>
+            <a:pPr marL="914400" lvl="1" indent="-457200">
+              <a:buFont typeface="+mj-lt"/>
+              <a:buAutoNum type="arabicParenR"/>
+            </a:pPr>
+            <a:r>
+              <a:rPr lang="ro-RO" sz="2000" dirty="0"/>
+              <a:t>Am ales să creez un sistem de gestiune a datelor dintr-o bancă de sânge printr-o interfață grafică interactivă și</a:t>
+            </a:r>
+            <a:r>
+              <a:rPr lang="en-US" sz="2000" dirty="0"/>
+              <a:t> </a:t>
+            </a:r>
+            <a:r>
+              <a:rPr lang="ro-RO" sz="2000" dirty="0"/>
+              <a:t>ușor</a:t>
+            </a:r>
+            <a:r>
+              <a:rPr lang="en-US" sz="2000" dirty="0"/>
+              <a:t> de </a:t>
+            </a:r>
+            <a:r>
+              <a:rPr lang="ro-RO" sz="2000" dirty="0"/>
+              <a:t>folosit</a:t>
+            </a:r>
+            <a:r>
+              <a:rPr lang="en-US" sz="2000" dirty="0"/>
+              <a:t>.</a:t>
+            </a:r>
+            <a:endParaRPr lang="ro-RO" sz="2000" dirty="0"/>
+          </a:p>
+          <a:p>
+            <a:pPr marL="914400" lvl="1" indent="-457200">
+              <a:buFont typeface="+mj-lt"/>
+              <a:buAutoNum type="arabicParenR"/>
+            </a:pPr>
+            <a:endParaRPr lang="ro-RO" sz="2000" dirty="0"/>
+          </a:p>
+          <a:p>
+            <a:pPr marL="914400" lvl="1" indent="-457200">
+              <a:buFont typeface="+mj-lt"/>
+              <a:buAutoNum type="arabicParenR"/>
+            </a:pPr>
+            <a:r>
+              <a:rPr lang="ro-RO" sz="2000" dirty="0"/>
+              <a:t>Am creat un algoritm care decide în absența unui medic cine va primi o transfuzie de sânge în lipsa materiei prime suficiente.</a:t>
+            </a:r>
+          </a:p>
+          <a:p>
+            <a:pPr marL="914400" lvl="1" indent="-457200">
+              <a:buFont typeface="+mj-lt"/>
+              <a:buAutoNum type="arabicParenR"/>
+            </a:pPr>
+            <a:endParaRPr lang="ro-RO" sz="2000" dirty="0"/>
+          </a:p>
+          <a:p>
+            <a:pPr marL="914400" lvl="1" indent="-457200">
+              <a:buFont typeface="+mj-lt"/>
+              <a:buAutoNum type="arabicParenR"/>
+            </a:pPr>
+            <a:r>
+              <a:rPr lang="ro-RO" sz="2000" dirty="0"/>
+              <a:t>Algoritmul va decide rezultatul pe baza condițiilor medicale și a caracteristicilor personale ale mai multor pacienți ce necesită o transfuzie.</a:t>
+            </a:r>
+          </a:p>
+        </p:txBody>
+      </p:sp>
+    </p:spTree>
+    <p:extLst>
+      <p:ext uri="{BB962C8B-B14F-4D97-AF65-F5344CB8AC3E}">
+        <p14:creationId xmlns:p14="http://schemas.microsoft.com/office/powerpoint/2010/main" val="933064545"/>
+      </p:ext>
+    </p:extLst>
+  </p:cSld>
+  <p:clrMapOvr>
+    <a:masterClrMapping/>
+  </p:clrMapOvr>
+  <p:transition spd="slow">
+    <p:wipe/>
+  </p:transition>
+</p:sld>
+</file>
+
+<file path=ppt/slides/slide5.xml><?xml version="1.0" encoding="utf-8"?>
+<p:sld xmlns:a="http://schemas.openxmlformats.org/drawingml/2006/main" xmlns:r="http://schemas.openxmlformats.org/officeDocument/2006/relationships" xmlns:p="http://schemas.openxmlformats.org/presentationml/2006/main">
+  <p:cSld>
+    <p:spTree>
+      <p:nvGrpSpPr>
+        <p:cNvPr id="1" name=""/>
+        <p:cNvGrpSpPr/>
+        <p:nvPr/>
+      </p:nvGrpSpPr>
+      <p:grpSpPr>
+        <a:xfrm>
+          <a:off x="0" y="0"/>
+          <a:ext cx="0" cy="0"/>
+          <a:chOff x="0" y="0"/>
+          <a:chExt cx="0" cy="0"/>
+        </a:xfrm>
+      </p:grpSpPr>
+      <p:sp>
+        <p:nvSpPr>
+          <p:cNvPr id="2" name="Titlu 1">
+            <a:extLst>
+              <a:ext uri="{FF2B5EF4-FFF2-40B4-BE49-F238E27FC236}">
+                <a16:creationId xmlns:a16="http://schemas.microsoft.com/office/drawing/2014/main" id="{E7CDFDD3-714D-482E-B2A7-B428DAEE8A59}"/>
+              </a:ext>
+            </a:extLst>
+          </p:cNvPr>
+          <p:cNvSpPr>
+            <a:spLocks noGrp="1"/>
+          </p:cNvSpPr>
+          <p:nvPr>
+            <p:ph type="title"/>
+          </p:nvPr>
+        </p:nvSpPr>
+        <p:spPr/>
+        <p:txBody>
+          <a:bodyPr/>
+          <a:lstStyle/>
+          <a:p>
+            <a:r>
+              <a:rPr lang="ro-RO" dirty="0"/>
+              <a:t>Soluția propusă</a:t>
+            </a:r>
+            <a:endParaRPr lang="en-US" dirty="0"/>
+          </a:p>
+        </p:txBody>
+      </p:sp>
+      <p:sp>
+        <p:nvSpPr>
+          <p:cNvPr id="3" name="Substituent conținut 2">
+            <a:extLst>
+              <a:ext uri="{FF2B5EF4-FFF2-40B4-BE49-F238E27FC236}">
+                <a16:creationId xmlns:a16="http://schemas.microsoft.com/office/drawing/2014/main" id="{32C7A397-D804-48B1-A9F4-F54B621DC6D3}"/>
+              </a:ext>
+            </a:extLst>
+          </p:cNvPr>
+          <p:cNvSpPr>
+            <a:spLocks noGrp="1"/>
+          </p:cNvSpPr>
+          <p:nvPr>
+            <p:ph idx="1"/>
+          </p:nvPr>
+        </p:nvSpPr>
+        <p:spPr/>
+        <p:txBody>
+          <a:bodyPr/>
+          <a:lstStyle/>
+          <a:p>
+            <a:pPr algn="just"/>
+            <a:r>
+              <a:rPr lang="ro-RO" dirty="0"/>
+              <a:t>Aplicația dispune de următoarele funcționalități:</a:t>
+            </a:r>
+          </a:p>
+          <a:p>
+            <a:pPr algn="just"/>
+            <a:endParaRPr lang="ro-RO" dirty="0"/>
+          </a:p>
+          <a:p>
+            <a:pPr lvl="1" algn="just"/>
+            <a:r>
+              <a:rPr lang="ro-RO" dirty="0"/>
+              <a:t>Managementul datelor personale și medicale ale donatorilor de sânge</a:t>
+            </a:r>
+            <a:r>
+              <a:rPr lang="en-US" dirty="0"/>
+              <a:t>;</a:t>
+            </a:r>
+            <a:endParaRPr lang="ro-RO" dirty="0"/>
+          </a:p>
+          <a:p>
+            <a:pPr lvl="1" algn="just"/>
+            <a:r>
+              <a:rPr lang="ro-RO" dirty="0"/>
+              <a:t>Managementul datelor despre analizele sângelui recoltat de la donatori</a:t>
+            </a:r>
+            <a:r>
+              <a:rPr lang="en-US" dirty="0"/>
+              <a:t>;</a:t>
+            </a:r>
+            <a:endParaRPr lang="ro-RO" dirty="0"/>
+          </a:p>
+          <a:p>
+            <a:pPr lvl="1" algn="just"/>
+            <a:r>
+              <a:rPr lang="ro-RO" dirty="0"/>
+              <a:t>Decartarea sângelui ce a depășit 42 de zile de depozitare</a:t>
+            </a:r>
+            <a:r>
+              <a:rPr lang="en-US" dirty="0"/>
+              <a:t>;</a:t>
+            </a:r>
+            <a:endParaRPr lang="ro-RO" dirty="0"/>
+          </a:p>
+          <a:p>
+            <a:pPr lvl="1" algn="just"/>
+            <a:r>
+              <a:rPr lang="ro-RO" dirty="0"/>
+              <a:t>Managementul cererilor de sânge din cadrul mai multor bănci și folosirea la nevoie a unui algoritm de decizie care hotărăște persoanele cele mai eligibile pentru a primi o transfuzie de sânge</a:t>
+            </a:r>
+            <a:r>
+              <a:rPr lang="en-US" dirty="0"/>
+              <a:t>;</a:t>
+            </a:r>
+            <a:endParaRPr lang="ro-RO" dirty="0"/>
+          </a:p>
+          <a:p>
+            <a:pPr lvl="1" algn="just"/>
+            <a:r>
+              <a:rPr lang="ro-RO" dirty="0"/>
+              <a:t>Verificarea permanentă a compatibilității grupei și a RH-ului sanguin în cadrul cererilor.</a:t>
+            </a:r>
+            <a:endParaRPr lang="en-US" dirty="0"/>
+          </a:p>
+        </p:txBody>
+      </p:sp>
+    </p:spTree>
+    <p:extLst>
+      <p:ext uri="{BB962C8B-B14F-4D97-AF65-F5344CB8AC3E}">
+        <p14:creationId xmlns:p14="http://schemas.microsoft.com/office/powerpoint/2010/main" val="1193918322"/>
+      </p:ext>
+    </p:extLst>
+  </p:cSld>
+  <p:clrMapOvr>
+    <a:masterClrMapping/>
+  </p:clrMapOvr>
+  <p:transition spd="slow">
+    <p:wipe/>
+  </p:transition>
+</p:sld>
+</file>
+
+<file path=ppt/slides/slide6.xml><?xml version="1.0" encoding="utf-8"?>
+<p:sld xmlns:a="http://schemas.openxmlformats.org/drawingml/2006/main" xmlns:r="http://schemas.openxmlformats.org/officeDocument/2006/relationships" xmlns:p="http://schemas.openxmlformats.org/presentationml/2006/main">
+  <p:cSld>
+    <p:spTree>
+      <p:nvGrpSpPr>
+        <p:cNvPr id="1" name=""/>
+        <p:cNvGrpSpPr/>
+        <p:nvPr/>
+      </p:nvGrpSpPr>
+      <p:grpSpPr>
+        <a:xfrm>
+          <a:off x="0" y="0"/>
+          <a:ext cx="0" cy="0"/>
+          <a:chOff x="0" y="0"/>
+          <a:chExt cx="0" cy="0"/>
+        </a:xfrm>
+      </p:grpSpPr>
+      <p:sp>
+        <p:nvSpPr>
+          <p:cNvPr id="2" name="Titlu 1">
+            <a:extLst>
+              <a:ext uri="{FF2B5EF4-FFF2-40B4-BE49-F238E27FC236}">
+                <a16:creationId xmlns:a16="http://schemas.microsoft.com/office/drawing/2014/main" id="{7E4AFC02-0948-4203-9D25-5958472B5765}"/>
+              </a:ext>
+            </a:extLst>
+          </p:cNvPr>
+          <p:cNvSpPr>
+            <a:spLocks noGrp="1"/>
+          </p:cNvSpPr>
+          <p:nvPr>
+            <p:ph type="title"/>
+          </p:nvPr>
+        </p:nvSpPr>
+        <p:spPr/>
+        <p:txBody>
+          <a:bodyPr/>
+          <a:lstStyle/>
+          <a:p>
+            <a:r>
+              <a:rPr lang="ro-RO" dirty="0"/>
+              <a:t>Arhitectura</a:t>
+            </a:r>
+            <a:endParaRPr lang="en-US" dirty="0"/>
+          </a:p>
+        </p:txBody>
+      </p:sp>
+      <p:pic>
+        <p:nvPicPr>
+          <p:cNvPr id="5" name="Substituent conținut 4">
+            <a:extLst>
+              <a:ext uri="{FF2B5EF4-FFF2-40B4-BE49-F238E27FC236}">
+                <a16:creationId xmlns:a16="http://schemas.microsoft.com/office/drawing/2014/main" id="{366F020C-A279-4932-ADB5-3AAD48E859E0}"/>
+              </a:ext>
+            </a:extLst>
+          </p:cNvPr>
+          <p:cNvPicPr>
+            <a:picLocks noGrp="1" noChangeAspect="1"/>
+          </p:cNvPicPr>
+          <p:nvPr>
+            <p:ph idx="1"/>
+          </p:nvPr>
+        </p:nvPicPr>
+        <p:blipFill>
+          <a:blip r:embed="rId2">
+            <a:extLst>
+              <a:ext uri="{28A0092B-C50C-407E-A947-70E740481C1C}">
+                <a14:useLocalDpi xmlns:a14="http://schemas.microsoft.com/office/drawing/2010/main" val="0"/>
+              </a:ext>
+            </a:extLst>
+          </a:blip>
+          <a:stretch>
+            <a:fillRect/>
+          </a:stretch>
+        </p:blipFill>
+        <p:spPr>
+          <a:xfrm>
+            <a:off x="1060922" y="2470322"/>
+            <a:ext cx="9657224" cy="2072121"/>
+          </a:xfrm>
+        </p:spPr>
+      </p:pic>
+    </p:spTree>
+    <p:extLst>
+      <p:ext uri="{BB962C8B-B14F-4D97-AF65-F5344CB8AC3E}">
+        <p14:creationId xmlns:p14="http://schemas.microsoft.com/office/powerpoint/2010/main" val="1378600734"/>
+      </p:ext>
+    </p:extLst>
+  </p:cSld>
+  <p:clrMapOvr>
+    <a:masterClrMapping/>
+  </p:clrMapOvr>
+  <p:transition spd="slow">
+    <p:wipe/>
+  </p:transition>
+</p:sld>
+</file>
+
+<file path=ppt/slides/slide7.xml><?xml version="1.0" encoding="utf-8"?>
+<p:sld xmlns:a="http://schemas.openxmlformats.org/drawingml/2006/main" xmlns:r="http://schemas.openxmlformats.org/officeDocument/2006/relationships" xmlns:p="http://schemas.openxmlformats.org/presentationml/2006/main">
+  <p:cSld>
+    <p:spTree>
+      <p:nvGrpSpPr>
+        <p:cNvPr id="1" name=""/>
+        <p:cNvGrpSpPr/>
+        <p:nvPr/>
+      </p:nvGrpSpPr>
+      <p:grpSpPr>
+        <a:xfrm>
+          <a:off x="0" y="0"/>
+          <a:ext cx="0" cy="0"/>
+          <a:chOff x="0" y="0"/>
+          <a:chExt cx="0" cy="0"/>
+        </a:xfrm>
+      </p:grpSpPr>
+      <p:sp>
+        <p:nvSpPr>
+          <p:cNvPr id="2" name="Titlu 1">
+            <a:extLst>
+              <a:ext uri="{FF2B5EF4-FFF2-40B4-BE49-F238E27FC236}">
+                <a16:creationId xmlns:a16="http://schemas.microsoft.com/office/drawing/2014/main" id="{C90BB9D7-122F-4AC9-9097-35B64BE744B5}"/>
+              </a:ext>
+            </a:extLst>
+          </p:cNvPr>
+          <p:cNvSpPr>
+            <a:spLocks noGrp="1"/>
+          </p:cNvSpPr>
+          <p:nvPr>
+            <p:ph type="title"/>
+          </p:nvPr>
+        </p:nvSpPr>
+        <p:spPr/>
+        <p:txBody>
+          <a:bodyPr/>
+          <a:lstStyle/>
+          <a:p>
+            <a:pPr algn="ctr"/>
+            <a:r>
+              <a:rPr lang="ro-RO" dirty="0"/>
+              <a:t>Algoritmul de decizie</a:t>
+            </a:r>
+            <a:endParaRPr lang="en-US" dirty="0"/>
+          </a:p>
+        </p:txBody>
+      </p:sp>
+      <p:pic>
+        <p:nvPicPr>
+          <p:cNvPr id="5" name="Substituent conținut 4">
+            <a:extLst>
+              <a:ext uri="{FF2B5EF4-FFF2-40B4-BE49-F238E27FC236}">
+                <a16:creationId xmlns:a16="http://schemas.microsoft.com/office/drawing/2014/main" id="{CA0762E8-9E2B-4815-8EE8-3BAAD76BECE8}"/>
+              </a:ext>
+            </a:extLst>
+          </p:cNvPr>
+          <p:cNvPicPr>
+            <a:picLocks noGrp="1" noChangeAspect="1"/>
+          </p:cNvPicPr>
+          <p:nvPr>
+            <p:ph idx="1"/>
+          </p:nvPr>
+        </p:nvPicPr>
+        <p:blipFill>
+          <a:blip r:embed="rId2">
+            <a:extLst>
+              <a:ext uri="{28A0092B-C50C-407E-A947-70E740481C1C}">
+                <a14:useLocalDpi xmlns:a14="http://schemas.microsoft.com/office/drawing/2010/main" val="0"/>
+              </a:ext>
+            </a:extLst>
+          </a:blip>
+          <a:stretch>
+            <a:fillRect/>
+          </a:stretch>
+        </p:blipFill>
+        <p:spPr>
+          <a:xfrm>
+            <a:off x="3483033" y="1611914"/>
+            <a:ext cx="4992225" cy="4565049"/>
+          </a:xfrm>
+        </p:spPr>
+      </p:pic>
+    </p:spTree>
+    <p:extLst>
+      <p:ext uri="{BB962C8B-B14F-4D97-AF65-F5344CB8AC3E}">
+        <p14:creationId xmlns:p14="http://schemas.microsoft.com/office/powerpoint/2010/main" val="3690242886"/>
+      </p:ext>
+    </p:extLst>
+  </p:cSld>
+  <p:clrMapOvr>
+    <a:masterClrMapping/>
+  </p:clrMapOvr>
+  <p:transition spd="slow">
+    <p:wipe/>
+  </p:transition>
+</p:sld>
+</file>
+
+<file path=ppt/slides/slide8.xml><?xml version="1.0" encoding="utf-8"?>
+<p:sld xmlns:a="http://schemas.openxmlformats.org/drawingml/2006/main" xmlns:r="http://schemas.openxmlformats.org/officeDocument/2006/relationships" xmlns:p="http://schemas.openxmlformats.org/presentationml/2006/main">
+  <p:cSld>
+    <p:spTree>
+      <p:nvGrpSpPr>
+        <p:cNvPr id="1" name=""/>
+        <p:cNvGrpSpPr/>
+        <p:nvPr/>
+      </p:nvGrpSpPr>
+      <p:grpSpPr>
+        <a:xfrm>
+          <a:off x="0" y="0"/>
+          <a:ext cx="0" cy="0"/>
+          <a:chOff x="0" y="0"/>
+          <a:chExt cx="0" cy="0"/>
+        </a:xfrm>
+      </p:grpSpPr>
+      <p:sp>
+        <p:nvSpPr>
+          <p:cNvPr id="2" name="Titlu 1">
+            <a:extLst>
+              <a:ext uri="{FF2B5EF4-FFF2-40B4-BE49-F238E27FC236}">
+                <a16:creationId xmlns:a16="http://schemas.microsoft.com/office/drawing/2014/main" id="{EF3DA08E-F614-4248-A72B-9742EAEA8A88}"/>
+              </a:ext>
+            </a:extLst>
+          </p:cNvPr>
+          <p:cNvSpPr>
+            <a:spLocks noGrp="1"/>
+          </p:cNvSpPr>
+          <p:nvPr>
+            <p:ph type="title"/>
+          </p:nvPr>
+        </p:nvSpPr>
+        <p:spPr/>
+        <p:txBody>
+          <a:bodyPr/>
+          <a:lstStyle/>
+          <a:p>
+            <a:r>
+              <a:rPr lang="ro-RO" dirty="0"/>
+              <a:t>Experimente</a:t>
+            </a:r>
+            <a:endParaRPr lang="en-US" dirty="0"/>
+          </a:p>
+        </p:txBody>
+      </p:sp>
+      <p:graphicFrame>
+        <p:nvGraphicFramePr>
+          <p:cNvPr id="4" name="Substituent conținut 3">
+            <a:extLst>
+              <a:ext uri="{FF2B5EF4-FFF2-40B4-BE49-F238E27FC236}">
+                <a16:creationId xmlns:a16="http://schemas.microsoft.com/office/drawing/2014/main" id="{2F55407F-EF87-4D59-8232-D6529F346421}"/>
+              </a:ext>
+            </a:extLst>
+          </p:cNvPr>
+          <p:cNvGraphicFramePr>
+            <a:graphicFrameLocks noGrp="1"/>
+          </p:cNvGraphicFramePr>
+          <p:nvPr>
+            <p:ph idx="1"/>
+            <p:extLst>
+              <p:ext uri="{D42A27DB-BD31-4B8C-83A1-F6EECF244321}">
+                <p14:modId xmlns:p14="http://schemas.microsoft.com/office/powerpoint/2010/main" val="3674250535"/>
+              </p:ext>
+            </p:extLst>
+          </p:nvPr>
+        </p:nvGraphicFramePr>
+        <p:xfrm>
+          <a:off x="838200" y="1925378"/>
+          <a:ext cx="10515600" cy="2595880"/>
+        </p:xfrm>
+        <a:graphic>
+          <a:graphicData uri="http://schemas.openxmlformats.org/drawingml/2006/table">
+            <a:tbl>
+              <a:tblPr firstRow="1" bandRow="1">
+                <a:tableStyleId>{5C22544A-7EE6-4342-B048-85BDC9FD1C3A}</a:tableStyleId>
+              </a:tblPr>
+              <a:tblGrid>
+                <a:gridCol w="3505200">
+                  <a:extLst>
+                    <a:ext uri="{9D8B030D-6E8A-4147-A177-3AD203B41FA5}">
+                      <a16:colId xmlns:a16="http://schemas.microsoft.com/office/drawing/2014/main" val="2614803358"/>
+                    </a:ext>
+                  </a:extLst>
+                </a:gridCol>
+                <a:gridCol w="3505200">
+                  <a:extLst>
+                    <a:ext uri="{9D8B030D-6E8A-4147-A177-3AD203B41FA5}">
+                      <a16:colId xmlns:a16="http://schemas.microsoft.com/office/drawing/2014/main" val="920072549"/>
+                    </a:ext>
+                  </a:extLst>
+                </a:gridCol>
+                <a:gridCol w="3505200">
+                  <a:extLst>
+                    <a:ext uri="{9D8B030D-6E8A-4147-A177-3AD203B41FA5}">
+                      <a16:colId xmlns:a16="http://schemas.microsoft.com/office/drawing/2014/main" val="328028142"/>
+                    </a:ext>
+                  </a:extLst>
+                </a:gridCol>
+              </a:tblGrid>
+              <a:tr h="370840">
+                <a:tc>
+                  <a:txBody>
+                    <a:bodyPr/>
+                    <a:lstStyle/>
+                    <a:p>
+                      <a:pPr algn="ctr"/>
+                      <a:endParaRPr lang="en-US" dirty="0"/>
+                    </a:p>
+                  </a:txBody>
+                  <a:tcPr/>
+                </a:tc>
+                <a:tc>
+                  <a:txBody>
+                    <a:bodyPr/>
+                    <a:lstStyle/>
+                    <a:p>
+                      <a:pPr algn="ctr"/>
+                      <a:r>
+                        <a:rPr lang="ro-RO" dirty="0"/>
+                        <a:t>Pacient 1</a:t>
+                      </a:r>
+                      <a:endParaRPr lang="en-US" dirty="0"/>
+                    </a:p>
+                  </a:txBody>
+                  <a:tcPr/>
+                </a:tc>
+                <a:tc>
+                  <a:txBody>
+                    <a:bodyPr/>
+                    <a:lstStyle/>
+                    <a:p>
+                      <a:pPr algn="ctr"/>
+                      <a:r>
+                        <a:rPr lang="ro-RO" dirty="0"/>
+                        <a:t>Pacient 2</a:t>
+                      </a:r>
+                      <a:endParaRPr lang="en-US" dirty="0"/>
+                    </a:p>
+                  </a:txBody>
+                  <a:tcPr/>
+                </a:tc>
+                <a:extLst>
+                  <a:ext uri="{0D108BD9-81ED-4DB2-BD59-A6C34878D82A}">
+                    <a16:rowId xmlns:a16="http://schemas.microsoft.com/office/drawing/2014/main" val="536020760"/>
+                  </a:ext>
+                </a:extLst>
+              </a:tr>
+              <a:tr h="370840">
+                <a:tc>
+                  <a:txBody>
+                    <a:bodyPr/>
+                    <a:lstStyle/>
+                    <a:p>
+                      <a:pPr algn="ctr"/>
+                      <a:r>
+                        <a:rPr lang="ro-RO" dirty="0"/>
+                        <a:t>Tipul de urgență</a:t>
+                      </a:r>
+                      <a:endParaRPr lang="en-US" dirty="0"/>
+                    </a:p>
+                  </a:txBody>
+                  <a:tcPr/>
+                </a:tc>
+                <a:tc>
+                  <a:txBody>
+                    <a:bodyPr/>
+                    <a:lstStyle/>
+                    <a:p>
+                      <a:pPr algn="ctr"/>
+                      <a:r>
+                        <a:rPr lang="ro-RO" dirty="0"/>
+                        <a:t>Urgent</a:t>
+                      </a:r>
+                      <a:endParaRPr lang="en-US" dirty="0"/>
+                    </a:p>
+                  </a:txBody>
+                  <a:tcPr/>
+                </a:tc>
+                <a:tc>
+                  <a:txBody>
+                    <a:bodyPr/>
+                    <a:lstStyle/>
+                    <a:p>
+                      <a:pPr algn="ctr"/>
+                      <a:r>
+                        <a:rPr lang="ro-RO" dirty="0"/>
+                        <a:t>Imediat</a:t>
+                      </a:r>
+                      <a:endParaRPr lang="en-US" dirty="0"/>
+                    </a:p>
+                  </a:txBody>
+                  <a:tcPr/>
+                </a:tc>
+                <a:extLst>
+                  <a:ext uri="{0D108BD9-81ED-4DB2-BD59-A6C34878D82A}">
+                    <a16:rowId xmlns:a16="http://schemas.microsoft.com/office/drawing/2014/main" val="1270211654"/>
+                  </a:ext>
+                </a:extLst>
+              </a:tr>
+              <a:tr h="370840">
+                <a:tc>
+                  <a:txBody>
+                    <a:bodyPr/>
+                    <a:lstStyle/>
+                    <a:p>
+                      <a:pPr algn="ctr"/>
+                      <a:r>
+                        <a:rPr lang="ro-RO" dirty="0"/>
+                        <a:t>Șanse de supraviețuire</a:t>
+                      </a:r>
+                      <a:endParaRPr lang="en-US" dirty="0"/>
+                    </a:p>
+                  </a:txBody>
+                  <a:tcPr/>
+                </a:tc>
+                <a:tc>
+                  <a:txBody>
+                    <a:bodyPr/>
+                    <a:lstStyle/>
+                    <a:p>
+                      <a:pPr algn="ctr"/>
+                      <a:r>
+                        <a:rPr lang="ro-RO" dirty="0"/>
+                        <a:t>50% - 100%</a:t>
+                      </a:r>
+                      <a:endParaRPr lang="en-US" dirty="0"/>
+                    </a:p>
+                  </a:txBody>
+                  <a:tcPr/>
+                </a:tc>
+                <a:tc>
+                  <a:txBody>
+                    <a:bodyPr/>
+                    <a:lstStyle/>
+                    <a:p>
+                      <a:pPr algn="ctr"/>
+                      <a:r>
+                        <a:rPr lang="ro-RO" dirty="0"/>
+                        <a:t>50% - 100%</a:t>
+                      </a:r>
+                      <a:endParaRPr lang="en-US" dirty="0"/>
+                    </a:p>
+                  </a:txBody>
+                  <a:tcPr/>
+                </a:tc>
+                <a:extLst>
+                  <a:ext uri="{0D108BD9-81ED-4DB2-BD59-A6C34878D82A}">
+                    <a16:rowId xmlns:a16="http://schemas.microsoft.com/office/drawing/2014/main" val="1281137788"/>
+                  </a:ext>
+                </a:extLst>
+              </a:tr>
+              <a:tr h="370840">
+                <a:tc>
+                  <a:txBody>
+                    <a:bodyPr/>
+                    <a:lstStyle/>
+                    <a:p>
+                      <a:pPr algn="ctr"/>
+                      <a:r>
+                        <a:rPr lang="ro-RO" dirty="0"/>
+                        <a:t>Vârsta</a:t>
+                      </a:r>
+                    </a:p>
+                  </a:txBody>
+                  <a:tcPr/>
+                </a:tc>
+                <a:tc>
+                  <a:txBody>
+                    <a:bodyPr/>
+                    <a:lstStyle/>
+                    <a:p>
+                      <a:pPr algn="ctr"/>
+                      <a:r>
+                        <a:rPr lang="ro-RO" dirty="0"/>
+                        <a:t>Între 10 – 20 de ani</a:t>
+                      </a:r>
+                      <a:endParaRPr lang="en-US" dirty="0"/>
+                    </a:p>
+                  </a:txBody>
+                  <a:tcPr/>
+                </a:tc>
+                <a:tc>
+                  <a:txBody>
+                    <a:bodyPr/>
+                    <a:lstStyle/>
+                    <a:p>
+                      <a:pPr algn="ctr"/>
+                      <a:r>
+                        <a:rPr lang="ro-RO" dirty="0"/>
+                        <a:t>Între 60 – 70 de ani</a:t>
+                      </a:r>
+                      <a:endParaRPr lang="en-US" dirty="0"/>
+                    </a:p>
+                  </a:txBody>
+                  <a:tcPr/>
+                </a:tc>
+                <a:extLst>
+                  <a:ext uri="{0D108BD9-81ED-4DB2-BD59-A6C34878D82A}">
+                    <a16:rowId xmlns:a16="http://schemas.microsoft.com/office/drawing/2014/main" val="2177760685"/>
+                  </a:ext>
+                </a:extLst>
+              </a:tr>
+              <a:tr h="370840">
+                <a:tc>
+                  <a:txBody>
+                    <a:bodyPr/>
+                    <a:lstStyle/>
+                    <a:p>
+                      <a:pPr algn="ctr"/>
+                      <a:r>
+                        <a:rPr lang="ro-RO" dirty="0"/>
+                        <a:t>Greutate</a:t>
+                      </a:r>
+                      <a:endParaRPr lang="en-US" dirty="0"/>
+                    </a:p>
+                  </a:txBody>
+                  <a:tcPr/>
+                </a:tc>
+                <a:tc>
+                  <a:txBody>
+                    <a:bodyPr/>
+                    <a:lstStyle/>
+                    <a:p>
+                      <a:pPr algn="ctr"/>
+                      <a:r>
+                        <a:rPr lang="ro-RO" dirty="0"/>
+                        <a:t>Sub 80 de kg</a:t>
+                      </a:r>
+                      <a:endParaRPr lang="en-US" dirty="0"/>
+                    </a:p>
+                  </a:txBody>
+                  <a:tcPr/>
+                </a:tc>
+                <a:tc>
+                  <a:txBody>
+                    <a:bodyPr/>
+                    <a:lstStyle/>
+                    <a:p>
+                      <a:pPr algn="ctr"/>
+                      <a:r>
+                        <a:rPr lang="ro-RO" dirty="0"/>
+                        <a:t>Între 80 – 150 kg</a:t>
+                      </a:r>
+                      <a:endParaRPr lang="en-US" dirty="0"/>
+                    </a:p>
+                  </a:txBody>
+                  <a:tcPr/>
+                </a:tc>
+                <a:extLst>
+                  <a:ext uri="{0D108BD9-81ED-4DB2-BD59-A6C34878D82A}">
+                    <a16:rowId xmlns:a16="http://schemas.microsoft.com/office/drawing/2014/main" val="805263726"/>
+                  </a:ext>
+                </a:extLst>
+              </a:tr>
+              <a:tr h="370840">
+                <a:tc>
+                  <a:txBody>
+                    <a:bodyPr/>
+                    <a:lstStyle/>
+                    <a:p>
+                      <a:pPr algn="ctr"/>
+                      <a:r>
+                        <a:rPr lang="ro-RO" dirty="0"/>
+                        <a:t>Înălțime</a:t>
+                      </a:r>
+                      <a:endParaRPr lang="en-US" dirty="0"/>
+                    </a:p>
+                  </a:txBody>
+                  <a:tcPr/>
+                </a:tc>
+                <a:tc>
+                  <a:txBody>
+                    <a:bodyPr/>
+                    <a:lstStyle/>
+                    <a:p>
+                      <a:pPr algn="ctr"/>
+                      <a:r>
+                        <a:rPr lang="ro-RO" dirty="0"/>
+                        <a:t>Între 1.20 – 1.80 m</a:t>
+                      </a:r>
+                      <a:endParaRPr lang="en-US" dirty="0"/>
+                    </a:p>
+                  </a:txBody>
+                  <a:tcPr/>
+                </a:tc>
+                <a:tc>
+                  <a:txBody>
+                    <a:bodyPr/>
+                    <a:lstStyle/>
+                    <a:p>
+                      <a:pPr algn="ctr"/>
+                      <a:r>
+                        <a:rPr lang="ro-RO" dirty="0"/>
+                        <a:t>Peste 1.80 m</a:t>
+                      </a:r>
+                      <a:endParaRPr lang="en-US" dirty="0"/>
+                    </a:p>
+                  </a:txBody>
+                  <a:tcPr/>
+                </a:tc>
+                <a:extLst>
+                  <a:ext uri="{0D108BD9-81ED-4DB2-BD59-A6C34878D82A}">
+                    <a16:rowId xmlns:a16="http://schemas.microsoft.com/office/drawing/2014/main" val="2206437005"/>
+                  </a:ext>
+                </a:extLst>
+              </a:tr>
+              <a:tr h="370840">
+                <a:tc>
+                  <a:txBody>
+                    <a:bodyPr/>
+                    <a:lstStyle/>
+                    <a:p>
+                      <a:pPr algn="ctr"/>
+                      <a:r>
+                        <a:rPr lang="ro-RO" dirty="0"/>
+                        <a:t>Cantitatea de sânge pierdută</a:t>
+                      </a:r>
+                      <a:endParaRPr lang="en-US" dirty="0"/>
+                    </a:p>
+                  </a:txBody>
+                  <a:tcPr/>
+                </a:tc>
+                <a:tc>
+                  <a:txBody>
+                    <a:bodyPr/>
+                    <a:lstStyle/>
+                    <a:p>
+                      <a:pPr algn="ctr"/>
+                      <a:r>
+                        <a:rPr lang="ro-RO" dirty="0"/>
+                        <a:t>Între 1 – 2 litrii</a:t>
+                      </a:r>
+                      <a:endParaRPr lang="en-US" dirty="0"/>
+                    </a:p>
+                  </a:txBody>
+                  <a:tcPr/>
+                </a:tc>
+                <a:tc>
+                  <a:txBody>
+                    <a:bodyPr/>
+                    <a:lstStyle/>
+                    <a:p>
+                      <a:pPr algn="ctr"/>
+                      <a:r>
+                        <a:rPr lang="ro-RO" dirty="0"/>
+                        <a:t>Între 0 – 1 litrii</a:t>
+                      </a:r>
+                      <a:endParaRPr lang="en-US" dirty="0"/>
+                    </a:p>
+                  </a:txBody>
+                  <a:tcPr/>
+                </a:tc>
+                <a:extLst>
+                  <a:ext uri="{0D108BD9-81ED-4DB2-BD59-A6C34878D82A}">
+                    <a16:rowId xmlns:a16="http://schemas.microsoft.com/office/drawing/2014/main" val="1914412960"/>
+                  </a:ext>
+                </a:extLst>
+              </a:tr>
+            </a:tbl>
+          </a:graphicData>
+        </a:graphic>
+      </p:graphicFrame>
+      <p:sp>
+        <p:nvSpPr>
+          <p:cNvPr id="5" name="CasetăText 4">
+            <a:extLst>
+              <a:ext uri="{FF2B5EF4-FFF2-40B4-BE49-F238E27FC236}">
+                <a16:creationId xmlns:a16="http://schemas.microsoft.com/office/drawing/2014/main" id="{DC2D5014-E449-405D-B270-78CB3E6DB145}"/>
+              </a:ext>
+            </a:extLst>
+          </p:cNvPr>
+          <p:cNvSpPr txBox="1"/>
+          <p:nvPr/>
+        </p:nvSpPr>
+        <p:spPr>
+          <a:xfrm>
+            <a:off x="838200" y="4954385"/>
+            <a:ext cx="3775364" cy="923330"/>
+          </a:xfrm>
+          <a:prstGeom prst="rect">
+            <a:avLst/>
+          </a:prstGeom>
+          <a:noFill/>
+        </p:spPr>
+        <p:txBody>
+          <a:bodyPr wrap="square" rtlCol="0">
+            <a:spAutoFit/>
+          </a:bodyPr>
+          <a:lstStyle/>
+          <a:p>
+            <a:endParaRPr lang="en-US" dirty="0"/>
+          </a:p>
+          <a:p>
+            <a:r>
+              <a:rPr lang="en-US" dirty="0"/>
+              <a:t>• </a:t>
+            </a:r>
+            <a:r>
+              <a:rPr lang="en-US" dirty="0" err="1"/>
+              <a:t>Scorul</a:t>
+            </a:r>
+            <a:r>
+              <a:rPr lang="en-US" dirty="0"/>
+              <a:t> </a:t>
+            </a:r>
+            <a:r>
+              <a:rPr lang="en-US" dirty="0" err="1"/>
+              <a:t>pentru</a:t>
+            </a:r>
+            <a:r>
+              <a:rPr lang="en-US" dirty="0"/>
+              <a:t> </a:t>
+            </a:r>
+            <a:r>
+              <a:rPr lang="en-US" dirty="0" err="1"/>
+              <a:t>Pacientul</a:t>
+            </a:r>
+            <a:r>
+              <a:rPr lang="en-US" dirty="0"/>
+              <a:t> 1 </a:t>
+            </a:r>
+            <a:r>
+              <a:rPr lang="en-US" dirty="0" err="1"/>
+              <a:t>este</a:t>
+            </a:r>
+            <a:r>
+              <a:rPr lang="en-US" dirty="0"/>
+              <a:t> 630 </a:t>
+            </a:r>
+          </a:p>
+          <a:p>
+            <a:r>
+              <a:rPr lang="en-US" dirty="0"/>
+              <a:t>• </a:t>
+            </a:r>
+            <a:r>
+              <a:rPr lang="en-US" dirty="0" err="1"/>
+              <a:t>Scorul</a:t>
+            </a:r>
+            <a:r>
+              <a:rPr lang="en-US" dirty="0"/>
+              <a:t> </a:t>
+            </a:r>
+            <a:r>
+              <a:rPr lang="en-US" dirty="0" err="1"/>
+              <a:t>pentru</a:t>
+            </a:r>
+            <a:r>
+              <a:rPr lang="en-US" dirty="0"/>
+              <a:t> </a:t>
+            </a:r>
+            <a:r>
+              <a:rPr lang="en-US" dirty="0" err="1"/>
+              <a:t>Pacientul</a:t>
+            </a:r>
+            <a:r>
+              <a:rPr lang="en-US" dirty="0"/>
+              <a:t> 2 </a:t>
+            </a:r>
+            <a:r>
+              <a:rPr lang="en-US" dirty="0" err="1"/>
+              <a:t>este</a:t>
+            </a:r>
+            <a:r>
+              <a:rPr lang="en-US" dirty="0"/>
+              <a:t> 610 </a:t>
+            </a:r>
+          </a:p>
+        </p:txBody>
+      </p:sp>
+    </p:spTree>
+    <p:extLst>
+      <p:ext uri="{BB962C8B-B14F-4D97-AF65-F5344CB8AC3E}">
+        <p14:creationId xmlns:p14="http://schemas.microsoft.com/office/powerpoint/2010/main" val="1956929145"/>
+      </p:ext>
+    </p:extLst>
+  </p:cSld>
+  <p:clrMapOvr>
+    <a:masterClrMapping/>
+  </p:clrMapOvr>
+  <p:transition spd="slow">
+    <p:wipe/>
+  </p:transition>
+</p:sld>
+</file>
+
+<file path=ppt/slides/slide9.xml><?xml version="1.0" encoding="utf-8"?>
+<p:sld xmlns:a="http://schemas.openxmlformats.org/drawingml/2006/main" xmlns:r="http://schemas.openxmlformats.org/officeDocument/2006/relationships" xmlns:p="http://schemas.openxmlformats.org/presentationml/2006/main">
+  <p:cSld>
+    <p:spTree>
+      <p:nvGrpSpPr>
+        <p:cNvPr id="1" name=""/>
+        <p:cNvGrpSpPr/>
+        <p:nvPr/>
+      </p:nvGrpSpPr>
+      <p:grpSpPr>
+        <a:xfrm>
+          <a:off x="0" y="0"/>
+          <a:ext cx="0" cy="0"/>
+          <a:chOff x="0" y="0"/>
+          <a:chExt cx="0" cy="0"/>
+        </a:xfrm>
+      </p:grpSpPr>
+      <p:graphicFrame>
+        <p:nvGraphicFramePr>
+          <p:cNvPr id="4" name="Substituent conținut 3">
+            <a:extLst>
+              <a:ext uri="{FF2B5EF4-FFF2-40B4-BE49-F238E27FC236}">
+                <a16:creationId xmlns:a16="http://schemas.microsoft.com/office/drawing/2014/main" id="{2F55407F-EF87-4D59-8232-D6529F346421}"/>
+              </a:ext>
+            </a:extLst>
+          </p:cNvPr>
+          <p:cNvGraphicFramePr>
+            <a:graphicFrameLocks noGrp="1"/>
+          </p:cNvGraphicFramePr>
+          <p:nvPr>
+            <p:ph idx="1"/>
+            <p:extLst>
+              <p:ext uri="{D42A27DB-BD31-4B8C-83A1-F6EECF244321}">
+                <p14:modId xmlns:p14="http://schemas.microsoft.com/office/powerpoint/2010/main" val="719615969"/>
+              </p:ext>
+            </p:extLst>
+          </p:nvPr>
+        </p:nvGraphicFramePr>
+        <p:xfrm>
+          <a:off x="838200" y="1052542"/>
+          <a:ext cx="10515600" cy="2595880"/>
+        </p:xfrm>
+        <a:graphic>
+          <a:graphicData uri="http://schemas.openxmlformats.org/drawingml/2006/table">
+            <a:tbl>
+              <a:tblPr firstRow="1" bandRow="1">
+                <a:tableStyleId>{5C22544A-7EE6-4342-B048-85BDC9FD1C3A}</a:tableStyleId>
+              </a:tblPr>
+              <a:tblGrid>
+                <a:gridCol w="3505200">
+                  <a:extLst>
+                    <a:ext uri="{9D8B030D-6E8A-4147-A177-3AD203B41FA5}">
+                      <a16:colId xmlns:a16="http://schemas.microsoft.com/office/drawing/2014/main" val="2614803358"/>
+                    </a:ext>
+                  </a:extLst>
+                </a:gridCol>
+                <a:gridCol w="3505200">
+                  <a:extLst>
+                    <a:ext uri="{9D8B030D-6E8A-4147-A177-3AD203B41FA5}">
+                      <a16:colId xmlns:a16="http://schemas.microsoft.com/office/drawing/2014/main" val="920072549"/>
+                    </a:ext>
+                  </a:extLst>
+                </a:gridCol>
+                <a:gridCol w="3505200">
+                  <a:extLst>
+                    <a:ext uri="{9D8B030D-6E8A-4147-A177-3AD203B41FA5}">
+                      <a16:colId xmlns:a16="http://schemas.microsoft.com/office/drawing/2014/main" val="328028142"/>
+                    </a:ext>
+                  </a:extLst>
+                </a:gridCol>
+              </a:tblGrid>
+              <a:tr h="370840">
+                <a:tc>
+                  <a:txBody>
+                    <a:bodyPr/>
+                    <a:lstStyle/>
+                    <a:p>
+                      <a:pPr algn="ctr"/>
+                      <a:endParaRPr lang="en-US" dirty="0"/>
+                    </a:p>
+                  </a:txBody>
+                  <a:tcPr/>
+                </a:tc>
+                <a:tc>
+                  <a:txBody>
+                    <a:bodyPr/>
+                    <a:lstStyle/>
+                    <a:p>
+                      <a:pPr algn="ctr"/>
+                      <a:r>
+                        <a:rPr lang="ro-RO" dirty="0"/>
+                        <a:t>Pacient 1</a:t>
+                      </a:r>
+                      <a:endParaRPr lang="en-US" dirty="0"/>
+                    </a:p>
+                  </a:txBody>
+                  <a:tcPr/>
+                </a:tc>
+                <a:tc>
+                  <a:txBody>
+                    <a:bodyPr/>
+                    <a:lstStyle/>
+                    <a:p>
+                      <a:pPr algn="ctr"/>
+                      <a:r>
+                        <a:rPr lang="ro-RO" dirty="0"/>
+                        <a:t>Pacient 2</a:t>
+                      </a:r>
+                      <a:endParaRPr lang="en-US" dirty="0"/>
+                    </a:p>
+                  </a:txBody>
+                  <a:tcPr/>
+                </a:tc>
+                <a:extLst>
+                  <a:ext uri="{0D108BD9-81ED-4DB2-BD59-A6C34878D82A}">
+                    <a16:rowId xmlns:a16="http://schemas.microsoft.com/office/drawing/2014/main" val="536020760"/>
+                  </a:ext>
+                </a:extLst>
+              </a:tr>
+              <a:tr h="370840">
+                <a:tc>
+                  <a:txBody>
+                    <a:bodyPr/>
+                    <a:lstStyle/>
+                    <a:p>
+                      <a:pPr algn="ctr"/>
+                      <a:r>
+                        <a:rPr lang="ro-RO" dirty="0"/>
+                        <a:t>Tipul de urgență</a:t>
+                      </a:r>
+                      <a:endParaRPr lang="en-US" dirty="0"/>
+                    </a:p>
+                  </a:txBody>
+                  <a:tcPr/>
+                </a:tc>
+                <a:tc>
+                  <a:txBody>
+                    <a:bodyPr/>
+                    <a:lstStyle/>
+                    <a:p>
+                      <a:pPr algn="ctr"/>
+                      <a:r>
+                        <a:rPr lang="ro-RO" dirty="0"/>
+                        <a:t>Urgent</a:t>
+                      </a:r>
+                      <a:endParaRPr lang="en-US" dirty="0"/>
+                    </a:p>
+                  </a:txBody>
+                  <a:tcPr/>
+                </a:tc>
+                <a:tc>
+                  <a:txBody>
+                    <a:bodyPr/>
+                    <a:lstStyle/>
+                    <a:p>
+                      <a:pPr algn="ctr"/>
+                      <a:r>
+                        <a:rPr lang="ro-RO" dirty="0"/>
+                        <a:t>Urgent</a:t>
+                      </a:r>
+                      <a:endParaRPr lang="en-US" dirty="0"/>
+                    </a:p>
+                  </a:txBody>
+                  <a:tcPr/>
+                </a:tc>
+                <a:extLst>
+                  <a:ext uri="{0D108BD9-81ED-4DB2-BD59-A6C34878D82A}">
+                    <a16:rowId xmlns:a16="http://schemas.microsoft.com/office/drawing/2014/main" val="1270211654"/>
+                  </a:ext>
+                </a:extLst>
+              </a:tr>
+              <a:tr h="370840">
+                <a:tc>
+                  <a:txBody>
+                    <a:bodyPr/>
+                    <a:lstStyle/>
+                    <a:p>
+                      <a:pPr algn="ctr"/>
+                      <a:r>
+                        <a:rPr lang="ro-RO" dirty="0"/>
+                        <a:t>Șanse de supraviețuire</a:t>
+                      </a:r>
+                      <a:endParaRPr lang="en-US" dirty="0"/>
+                    </a:p>
+                  </a:txBody>
+                  <a:tcPr/>
+                </a:tc>
+                <a:tc>
+                  <a:txBody>
+                    <a:bodyPr/>
+                    <a:lstStyle/>
+                    <a:p>
+                      <a:pPr algn="ctr"/>
+                      <a:r>
+                        <a:rPr lang="ro-RO" dirty="0"/>
+                        <a:t>0% - 50%</a:t>
+                      </a:r>
+                      <a:endParaRPr lang="en-US" dirty="0"/>
+                    </a:p>
+                  </a:txBody>
+                  <a:tcPr/>
+                </a:tc>
+                <a:tc>
+                  <a:txBody>
+                    <a:bodyPr/>
+                    <a:lstStyle/>
+                    <a:p>
+                      <a:pPr algn="ctr"/>
+                      <a:r>
+                        <a:rPr lang="ro-RO" dirty="0"/>
+                        <a:t>50% - 100%</a:t>
+                      </a:r>
+                      <a:endParaRPr lang="en-US" dirty="0"/>
+                    </a:p>
+                  </a:txBody>
+                  <a:tcPr/>
+                </a:tc>
+                <a:extLst>
+                  <a:ext uri="{0D108BD9-81ED-4DB2-BD59-A6C34878D82A}">
+                    <a16:rowId xmlns:a16="http://schemas.microsoft.com/office/drawing/2014/main" val="1281137788"/>
+                  </a:ext>
+                </a:extLst>
+              </a:tr>
+              <a:tr h="370840">
+                <a:tc>
+                  <a:txBody>
+                    <a:bodyPr/>
+                    <a:lstStyle/>
+                    <a:p>
+                      <a:pPr algn="ctr"/>
+                      <a:r>
+                        <a:rPr lang="ro-RO" dirty="0"/>
+                        <a:t>Vârsta</a:t>
+                      </a:r>
+                    </a:p>
+                  </a:txBody>
+                  <a:tcPr/>
+                </a:tc>
+                <a:tc>
+                  <a:txBody>
+                    <a:bodyPr/>
+                    <a:lstStyle/>
+                    <a:p>
+                      <a:pPr algn="ctr"/>
+                      <a:r>
+                        <a:rPr lang="ro-RO" dirty="0"/>
+                        <a:t>Între 20 – 30 de ani</a:t>
+                      </a:r>
+                      <a:endParaRPr lang="en-US" dirty="0"/>
+                    </a:p>
+                  </a:txBody>
+                  <a:tcPr/>
+                </a:tc>
+                <a:tc>
+                  <a:txBody>
+                    <a:bodyPr/>
+                    <a:lstStyle/>
+                    <a:p>
+                      <a:pPr algn="ctr"/>
+                      <a:r>
+                        <a:rPr lang="ro-RO" dirty="0"/>
+                        <a:t>Între 60 – 70 de ani</a:t>
+                      </a:r>
+                      <a:endParaRPr lang="en-US" dirty="0"/>
+                    </a:p>
+                  </a:txBody>
+                  <a:tcPr/>
+                </a:tc>
+                <a:extLst>
+                  <a:ext uri="{0D108BD9-81ED-4DB2-BD59-A6C34878D82A}">
+                    <a16:rowId xmlns:a16="http://schemas.microsoft.com/office/drawing/2014/main" val="2177760685"/>
+                  </a:ext>
+                </a:extLst>
+              </a:tr>
+              <a:tr h="370840">
+                <a:tc>
+                  <a:txBody>
+                    <a:bodyPr/>
+                    <a:lstStyle/>
+                    <a:p>
+                      <a:pPr algn="ctr"/>
+                      <a:r>
+                        <a:rPr lang="ro-RO" dirty="0"/>
+                        <a:t>Greutate</a:t>
+                      </a:r>
+                      <a:endParaRPr lang="en-US" dirty="0"/>
+                    </a:p>
+                  </a:txBody>
+                  <a:tcPr/>
+                </a:tc>
+                <a:tc>
+                  <a:txBody>
+                    <a:bodyPr/>
+                    <a:lstStyle/>
+                    <a:p>
+                      <a:pPr algn="ctr"/>
+                      <a:r>
+                        <a:rPr lang="ro-RO" dirty="0"/>
+                        <a:t>Între 80 – 150 kg</a:t>
+                      </a:r>
+                      <a:endParaRPr lang="en-US" dirty="0"/>
+                    </a:p>
+                  </a:txBody>
+                  <a:tcPr/>
+                </a:tc>
+                <a:tc>
+                  <a:txBody>
+                    <a:bodyPr/>
+                    <a:lstStyle/>
+                    <a:p>
+                      <a:pPr algn="ctr"/>
+                      <a:r>
+                        <a:rPr lang="ro-RO" dirty="0"/>
+                        <a:t>Sub 80 de kg</a:t>
+                      </a:r>
+                      <a:endParaRPr lang="en-US" dirty="0"/>
+                    </a:p>
+                  </a:txBody>
+                  <a:tcPr/>
+                </a:tc>
+                <a:extLst>
+                  <a:ext uri="{0D108BD9-81ED-4DB2-BD59-A6C34878D82A}">
+                    <a16:rowId xmlns:a16="http://schemas.microsoft.com/office/drawing/2014/main" val="805263726"/>
+                  </a:ext>
+                </a:extLst>
+              </a:tr>
+              <a:tr h="370840">
+                <a:tc>
+                  <a:txBody>
+                    <a:bodyPr/>
+                    <a:lstStyle/>
+                    <a:p>
+                      <a:pPr algn="ctr"/>
+                      <a:r>
+                        <a:rPr lang="ro-RO" dirty="0"/>
+                        <a:t>Înălțime</a:t>
+                      </a:r>
+                      <a:endParaRPr lang="en-US" dirty="0"/>
+                    </a:p>
+                  </a:txBody>
+                  <a:tcPr/>
+                </a:tc>
+                <a:tc>
+                  <a:txBody>
+                    <a:bodyPr/>
+                    <a:lstStyle/>
+                    <a:p>
+                      <a:pPr algn="ctr"/>
+                      <a:r>
+                        <a:rPr lang="ro-RO" dirty="0"/>
+                        <a:t>Peste 1.80 m</a:t>
+                      </a:r>
+                      <a:endParaRPr lang="en-US" dirty="0"/>
+                    </a:p>
+                  </a:txBody>
+                  <a:tcPr/>
+                </a:tc>
+                <a:tc>
+                  <a:txBody>
+                    <a:bodyPr/>
+                    <a:lstStyle/>
+                    <a:p>
+                      <a:pPr algn="ctr"/>
+                      <a:r>
+                        <a:rPr lang="ro-RO" dirty="0"/>
+                        <a:t>Între 1.20 – 1.80 m</a:t>
+                      </a:r>
+                      <a:endParaRPr lang="en-US" dirty="0"/>
+                    </a:p>
+                  </a:txBody>
+                  <a:tcPr/>
+                </a:tc>
+                <a:extLst>
+                  <a:ext uri="{0D108BD9-81ED-4DB2-BD59-A6C34878D82A}">
+                    <a16:rowId xmlns:a16="http://schemas.microsoft.com/office/drawing/2014/main" val="2206437005"/>
+                  </a:ext>
+                </a:extLst>
+              </a:tr>
+              <a:tr h="370840">
+                <a:tc>
+                  <a:txBody>
+                    <a:bodyPr/>
+                    <a:lstStyle/>
+                    <a:p>
+                      <a:pPr algn="ctr"/>
+                      <a:r>
+                        <a:rPr lang="ro-RO" dirty="0"/>
+                        <a:t>Cantitatea de sânge pierdută</a:t>
+                      </a:r>
+                      <a:endParaRPr lang="en-US" dirty="0"/>
+                    </a:p>
+                  </a:txBody>
+                  <a:tcPr/>
+                </a:tc>
+                <a:tc>
+                  <a:txBody>
+                    <a:bodyPr/>
+                    <a:lstStyle/>
+                    <a:p>
+                      <a:pPr algn="ctr"/>
+                      <a:r>
+                        <a:rPr lang="ro-RO" dirty="0"/>
+                        <a:t>Între 1 – 2 litrii</a:t>
+                      </a:r>
+                      <a:endParaRPr lang="en-US" dirty="0"/>
+                    </a:p>
+                  </a:txBody>
+                  <a:tcPr/>
+                </a:tc>
+                <a:tc>
+                  <a:txBody>
+                    <a:bodyPr/>
+                    <a:lstStyle/>
+                    <a:p>
+                      <a:pPr algn="ctr"/>
+                      <a:r>
+                        <a:rPr lang="ro-RO" dirty="0"/>
+                        <a:t>Între 2 – 3 litrii</a:t>
+                      </a:r>
+                      <a:endParaRPr lang="en-US" dirty="0"/>
+                    </a:p>
+                  </a:txBody>
+                  <a:tcPr/>
+                </a:tc>
+                <a:extLst>
+                  <a:ext uri="{0D108BD9-81ED-4DB2-BD59-A6C34878D82A}">
+                    <a16:rowId xmlns:a16="http://schemas.microsoft.com/office/drawing/2014/main" val="1914412960"/>
+                  </a:ext>
+                </a:extLst>
+              </a:tr>
+            </a:tbl>
+          </a:graphicData>
+        </a:graphic>
+      </p:graphicFrame>
+      <p:sp>
+        <p:nvSpPr>
+          <p:cNvPr id="5" name="CasetăText 4">
+            <a:extLst>
+              <a:ext uri="{FF2B5EF4-FFF2-40B4-BE49-F238E27FC236}">
+                <a16:creationId xmlns:a16="http://schemas.microsoft.com/office/drawing/2014/main" id="{DC2D5014-E449-405D-B270-78CB3E6DB145}"/>
+              </a:ext>
+            </a:extLst>
+          </p:cNvPr>
+          <p:cNvSpPr txBox="1"/>
+          <p:nvPr/>
+        </p:nvSpPr>
+        <p:spPr>
+          <a:xfrm>
+            <a:off x="838200" y="4081548"/>
+            <a:ext cx="3775364" cy="923330"/>
+          </a:xfrm>
+          <a:prstGeom prst="rect">
+            <a:avLst/>
+          </a:prstGeom>
+          <a:noFill/>
+        </p:spPr>
+        <p:txBody>
+          <a:bodyPr wrap="square" rtlCol="0">
+            <a:spAutoFit/>
+          </a:bodyPr>
+          <a:lstStyle/>
+          <a:p>
+            <a:endParaRPr lang="en-US" dirty="0"/>
+          </a:p>
+          <a:p>
+            <a:r>
+              <a:rPr lang="en-US" dirty="0"/>
+              <a:t>• </a:t>
+            </a:r>
+            <a:r>
+              <a:rPr lang="en-US" dirty="0" err="1"/>
+              <a:t>Scorul</a:t>
+            </a:r>
+            <a:r>
+              <a:rPr lang="en-US" dirty="0"/>
+              <a:t> </a:t>
+            </a:r>
+            <a:r>
+              <a:rPr lang="en-US" dirty="0" err="1"/>
+              <a:t>pentru</a:t>
+            </a:r>
+            <a:r>
+              <a:rPr lang="en-US" dirty="0"/>
+              <a:t> </a:t>
+            </a:r>
+            <a:r>
+              <a:rPr lang="en-US" dirty="0" err="1"/>
+              <a:t>Pacientul</a:t>
+            </a:r>
+            <a:r>
+              <a:rPr lang="en-US" dirty="0"/>
+              <a:t> 1 </a:t>
+            </a:r>
+            <a:r>
+              <a:rPr lang="en-US" dirty="0" err="1"/>
+              <a:t>este</a:t>
+            </a:r>
+            <a:r>
+              <a:rPr lang="en-US" dirty="0"/>
+              <a:t> </a:t>
+            </a:r>
+            <a:r>
+              <a:rPr lang="ro-RO" dirty="0"/>
+              <a:t>500</a:t>
+            </a:r>
+            <a:r>
+              <a:rPr lang="en-US" dirty="0"/>
+              <a:t> </a:t>
+            </a:r>
+          </a:p>
+          <a:p>
+            <a:r>
+              <a:rPr lang="en-US" dirty="0"/>
+              <a:t>• </a:t>
+            </a:r>
+            <a:r>
+              <a:rPr lang="en-US" dirty="0" err="1"/>
+              <a:t>Scorul</a:t>
+            </a:r>
+            <a:r>
+              <a:rPr lang="en-US" dirty="0"/>
+              <a:t> </a:t>
+            </a:r>
+            <a:r>
+              <a:rPr lang="en-US" dirty="0" err="1"/>
+              <a:t>pentru</a:t>
+            </a:r>
+            <a:r>
+              <a:rPr lang="en-US" dirty="0"/>
+              <a:t> </a:t>
+            </a:r>
+            <a:r>
+              <a:rPr lang="en-US" dirty="0" err="1"/>
+              <a:t>Pacientul</a:t>
+            </a:r>
+            <a:r>
+              <a:rPr lang="en-US" dirty="0"/>
+              <a:t> 2 </a:t>
+            </a:r>
+            <a:r>
+              <a:rPr lang="en-US" dirty="0" err="1"/>
+              <a:t>este</a:t>
+            </a:r>
+            <a:r>
+              <a:rPr lang="en-US" dirty="0"/>
+              <a:t> </a:t>
+            </a:r>
+            <a:r>
+              <a:rPr lang="ro-RO" dirty="0"/>
+              <a:t>630</a:t>
+            </a:r>
+            <a:r>
+              <a:rPr lang="en-US" dirty="0"/>
+              <a:t> </a:t>
+            </a:r>
+          </a:p>
+        </p:txBody>
+      </p:sp>
+    </p:spTree>
+    <p:extLst>
+      <p:ext uri="{BB962C8B-B14F-4D97-AF65-F5344CB8AC3E}">
+        <p14:creationId xmlns:p14="http://schemas.microsoft.com/office/powerpoint/2010/main" val="128470726"/>
+      </p:ext>
+    </p:extLst>
+  </p:cSld>
+  <p:clrMapOvr>
+    <a:masterClrMapping/>
+  </p:clrMapOvr>
+  <p:transition spd="slow">
+    <p:wipe/>
+  </p:transition>
 </p:sld>
 </file>
 

--- a/Licenta-Ramon Gabor.pptx
+++ b/Licenta-Ramon Gabor.pptx
@@ -4145,7 +4145,19 @@
           <a:bodyPr/>
           <a:lstStyle/>
           <a:p>
-            <a:endParaRPr lang="en-US"/>
+            <a:endParaRPr lang="en-US" dirty="0"/>
+          </a:p>
+          <a:p>
+            <a:endParaRPr lang="en-US" dirty="0"/>
+          </a:p>
+          <a:p>
+            <a:endParaRPr lang="en-US" dirty="0"/>
+          </a:p>
+          <a:p>
+            <a:r>
+              <a:rPr lang="en-US" dirty="0"/>
+              <a:t>https://www.youtube.com/watch?v=NG29ArAEDvY</a:t>
+            </a:r>
           </a:p>
         </p:txBody>
       </p:sp>
